--- a/CS275-Projcet.pptx
+++ b/CS275-Projcet.pptx
@@ -4363,7 +4363,7 @@
             </a:pPr>
             <a:r>
               <a:rPr lang="en"/>
-              <a:t>Example</a:t>
+              <a:t>Demo</a:t>
             </a:r>
           </a:p>
         </p:txBody>
@@ -4455,7 +4455,7 @@
             </a:pPr>
             <a:r>
               <a:rPr lang="en"/>
-              <a:t>something...</a:t>
+              <a:t>Design and implementation details</a:t>
             </a:r>
           </a:p>
         </p:txBody>
@@ -4490,9 +4490,9 @@
               <a:buNone/>
             </a:pPr>
             <a:r>
-              <a:t/>
+              <a:rPr lang="en"/>
+              <a:t>something</a:t>
             </a:r>
-            <a:endParaRPr/>
           </a:p>
         </p:txBody>
       </p:sp>
@@ -4508,283 +4508,6 @@
 </file>
 
 <file path=ppt/theme/theme1.xml><?xml version="1.0" encoding="utf-8"?>
-<a:theme xmlns:a="http://schemas.openxmlformats.org/drawingml/2006/main" xmlns:r="http://schemas.openxmlformats.org/officeDocument/2006/relationships" name="Custom Theme">
-  <a:themeElements>
-    <a:clrScheme name="Default">
-      <a:dk1>
-        <a:srgbClr val="000000"/>
-      </a:dk1>
-      <a:lt1>
-        <a:srgbClr val="FFFFFF"/>
-      </a:lt1>
-      <a:dk2>
-        <a:srgbClr val="158158"/>
-      </a:dk2>
-      <a:lt2>
-        <a:srgbClr val="F3F3F3"/>
-      </a:lt2>
-      <a:accent1>
-        <a:srgbClr val="058DC7"/>
-      </a:accent1>
-      <a:accent2>
-        <a:srgbClr val="50B432"/>
-      </a:accent2>
-      <a:accent3>
-        <a:srgbClr val="ED561B"/>
-      </a:accent3>
-      <a:accent4>
-        <a:srgbClr val="EDEF00"/>
-      </a:accent4>
-      <a:accent5>
-        <a:srgbClr val="24CBE5"/>
-      </a:accent5>
-      <a:accent6>
-        <a:srgbClr val="64E572"/>
-      </a:accent6>
-      <a:hlink>
-        <a:srgbClr val="2200CC"/>
-      </a:hlink>
-      <a:folHlink>
-        <a:srgbClr val="551A8B"/>
-      </a:folHlink>
-    </a:clrScheme>
-    <a:fontScheme name="Office">
-      <a:majorFont>
-        <a:latin typeface="Arial"/>
-        <a:ea typeface=""/>
-        <a:cs typeface=""/>
-        <a:font script="Jpan" typeface="ＭＳ Ｐゴシック"/>
-        <a:font script="Hang" typeface="맑은 고딕"/>
-        <a:font script="Hans" typeface="宋体"/>
-        <a:font script="Hant" typeface="新細明體"/>
-        <a:font script="Arab" typeface="Times New Roman"/>
-        <a:font script="Hebr" typeface="Times New Roman"/>
-        <a:font script="Thai" typeface="Angsana New"/>
-        <a:font script="Ethi" typeface="Nyala"/>
-        <a:font script="Beng" typeface="Vrinda"/>
-        <a:font script="Gujr" typeface="Shruti"/>
-        <a:font script="Khmr" typeface="MoolBoran"/>
-        <a:font script="Knda" typeface="Tunga"/>
-        <a:font script="Guru" typeface="Raavi"/>
-        <a:font script="Cans" typeface="Euphemia"/>
-        <a:font script="Cher" typeface="Plantagenet Cherokee"/>
-        <a:font script="Yiii" typeface="Microsoft Yi Baiti"/>
-        <a:font script="Tibt" typeface="Microsoft Himalaya"/>
-        <a:font script="Thaa" typeface="MV Boli"/>
-        <a:font script="Deva" typeface="Mangal"/>
-        <a:font script="Telu" typeface="Gautami"/>
-        <a:font script="Taml" typeface="Latha"/>
-        <a:font script="Syrc" typeface="Estrangelo Edessa"/>
-        <a:font script="Orya" typeface="Kalinga"/>
-        <a:font script="Mlym" typeface="Kartika"/>
-        <a:font script="Laoo" typeface="DokChampa"/>
-        <a:font script="Sinh" typeface="Iskoola Pota"/>
-        <a:font script="Mong" typeface="Mongolian Baiti"/>
-        <a:font script="Viet" typeface="Times New Roman"/>
-        <a:font script="Uigh" typeface="Microsoft Uighur"/>
-      </a:majorFont>
-      <a:minorFont>
-        <a:latin typeface="Arial"/>
-        <a:ea typeface=""/>
-        <a:cs typeface=""/>
-        <a:font script="Jpan" typeface="ＭＳ Ｐゴシック"/>
-        <a:font script="Hang" typeface="맑은 고딕"/>
-        <a:font script="Hans" typeface="宋体"/>
-        <a:font script="Hant" typeface="新細明體"/>
-        <a:font script="Arab" typeface="Times New Roman"/>
-        <a:font script="Hebr" typeface="Times New Roman"/>
-        <a:font script="Thai" typeface="Angsana New"/>
-        <a:font script="Ethi" typeface="Nyala"/>
-        <a:font script="Beng" typeface="Vrinda"/>
-        <a:font script="Gujr" typeface="Shruti"/>
-        <a:font script="Khmr" typeface="MoolBoran"/>
-        <a:font script="Knda" typeface="Tunga"/>
-        <a:font script="Guru" typeface="Raavi"/>
-        <a:font script="Cans" typeface="Euphemia"/>
-        <a:font script="Cher" typeface="Plantagenet Cherokee"/>
-        <a:font script="Yiii" typeface="Microsoft Yi Baiti"/>
-        <a:font script="Tibt" typeface="Microsoft Himalaya"/>
-        <a:font script="Thaa" typeface="MV Boli"/>
-        <a:font script="Deva" typeface="Mangal"/>
-        <a:font script="Telu" typeface="Gautami"/>
-        <a:font script="Taml" typeface="Latha"/>
-        <a:font script="Syrc" typeface="Estrangelo Edessa"/>
-        <a:font script="Orya" typeface="Kalinga"/>
-        <a:font script="Mlym" typeface="Kartika"/>
-        <a:font script="Laoo" typeface="DokChampa"/>
-        <a:font script="Sinh" typeface="Iskoola Pota"/>
-        <a:font script="Mong" typeface="Mongolian Baiti"/>
-        <a:font script="Viet" typeface="Times New Roman"/>
-        <a:font script="Uigh" typeface="Microsoft Uighur"/>
-      </a:minorFont>
-    </a:fontScheme>
-    <a:fmtScheme name="Office">
-      <a:fillStyleLst>
-        <a:solidFill>
-          <a:schemeClr val="phClr"/>
-        </a:solidFill>
-        <a:gradFill rotWithShape="1">
-          <a:gsLst>
-            <a:gs pos="0">
-              <a:schemeClr val="phClr">
-                <a:tint val="50000"/>
-                <a:satMod val="300000"/>
-              </a:schemeClr>
-            </a:gs>
-            <a:gs pos="35000">
-              <a:schemeClr val="phClr">
-                <a:tint val="37000"/>
-                <a:satMod val="300000"/>
-              </a:schemeClr>
-            </a:gs>
-            <a:gs pos="100000">
-              <a:schemeClr val="phClr">
-                <a:tint val="15000"/>
-                <a:satMod val="350000"/>
-              </a:schemeClr>
-            </a:gs>
-          </a:gsLst>
-          <a:lin ang="16200000" scaled="1"/>
-        </a:gradFill>
-        <a:gradFill rotWithShape="1">
-          <a:gsLst>
-            <a:gs pos="0">
-              <a:schemeClr val="phClr">
-                <a:tint val="100000"/>
-                <a:shade val="100000"/>
-                <a:satMod val="130000"/>
-              </a:schemeClr>
-            </a:gs>
-            <a:gs pos="100000">
-              <a:schemeClr val="phClr">
-                <a:tint val="50000"/>
-                <a:shade val="100000"/>
-                <a:satMod val="350000"/>
-              </a:schemeClr>
-            </a:gs>
-          </a:gsLst>
-          <a:lin ang="16200000" scaled="0"/>
-        </a:gradFill>
-      </a:fillStyleLst>
-      <a:lnStyleLst>
-        <a:ln cap="flat" cmpd="sng" w="9525" algn="ctr">
-          <a:solidFill>
-            <a:schemeClr val="phClr">
-              <a:shade val="95000"/>
-              <a:satMod val="105000"/>
-            </a:schemeClr>
-          </a:solidFill>
-          <a:prstDash val="solid"/>
-        </a:ln>
-        <a:ln cap="flat" cmpd="sng" w="25400" algn="ctr">
-          <a:solidFill>
-            <a:schemeClr val="phClr"/>
-          </a:solidFill>
-          <a:prstDash val="solid"/>
-        </a:ln>
-        <a:ln cap="flat" cmpd="sng" w="38100" algn="ctr">
-          <a:solidFill>
-            <a:schemeClr val="phClr"/>
-          </a:solidFill>
-          <a:prstDash val="solid"/>
-        </a:ln>
-      </a:lnStyleLst>
-      <a:effectStyleLst>
-        <a:effectStyle>
-          <a:effectLst>
-            <a:outerShdw blurRad="40000" rotWithShape="0" dir="5400000" dist="20000">
-              <a:srgbClr val="000000">
-                <a:alpha val="38000"/>
-              </a:srgbClr>
-            </a:outerShdw>
-          </a:effectLst>
-        </a:effectStyle>
-        <a:effectStyle>
-          <a:effectLst>
-            <a:outerShdw blurRad="40000" rotWithShape="0" dir="5400000" dist="23000">
-              <a:srgbClr val="000000">
-                <a:alpha val="35000"/>
-              </a:srgbClr>
-            </a:outerShdw>
-          </a:effectLst>
-        </a:effectStyle>
-        <a:effectStyle>
-          <a:effectLst>
-            <a:outerShdw blurRad="40000" rotWithShape="0" dir="5400000" dist="23000">
-              <a:srgbClr val="000000">
-                <a:alpha val="35000"/>
-              </a:srgbClr>
-            </a:outerShdw>
-          </a:effectLst>
-          <a:scene3d>
-            <a:camera prst="orthographicFront">
-              <a:rot lat="0" lon="0" rev="0"/>
-            </a:camera>
-            <a:lightRig dir="t" rig="threePt">
-              <a:rot lat="0" lon="0" rev="1200000"/>
-            </a:lightRig>
-          </a:scene3d>
-          <a:sp3d>
-            <a:bevelT h="25400" w="63500"/>
-          </a:sp3d>
-        </a:effectStyle>
-      </a:effectStyleLst>
-      <a:bgFillStyleLst>
-        <a:solidFill>
-          <a:schemeClr val="phClr"/>
-        </a:solidFill>
-        <a:gradFill rotWithShape="1">
-          <a:gsLst>
-            <a:gs pos="0">
-              <a:schemeClr val="phClr">
-                <a:tint val="40000"/>
-                <a:satMod val="350000"/>
-              </a:schemeClr>
-            </a:gs>
-            <a:gs pos="40000">
-              <a:schemeClr val="phClr">
-                <a:tint val="45000"/>
-                <a:shade val="99000"/>
-                <a:satMod val="350000"/>
-              </a:schemeClr>
-            </a:gs>
-            <a:gs pos="100000">
-              <a:schemeClr val="phClr">
-                <a:shade val="20000"/>
-                <a:satMod val="255000"/>
-              </a:schemeClr>
-            </a:gs>
-          </a:gsLst>
-          <a:path path="circle">
-            <a:fillToRect b="180000" l="50000" r="50000" t="-80000"/>
-          </a:path>
-        </a:gradFill>
-        <a:gradFill rotWithShape="1">
-          <a:gsLst>
-            <a:gs pos="0">
-              <a:schemeClr val="phClr">
-                <a:tint val="80000"/>
-                <a:satMod val="300000"/>
-              </a:schemeClr>
-            </a:gs>
-            <a:gs pos="100000">
-              <a:schemeClr val="phClr">
-                <a:shade val="30000"/>
-                <a:satMod val="200000"/>
-              </a:schemeClr>
-            </a:gs>
-          </a:gsLst>
-          <a:path path="circle">
-            <a:fillToRect b="50000" l="50000" r="50000" t="50000"/>
-          </a:path>
-        </a:gradFill>
-      </a:bgFillStyleLst>
-    </a:fmtScheme>
-  </a:themeElements>
-</a:theme>
-</file>
-
-<file path=ppt/theme/theme2.xml><?xml version="1.0" encoding="utf-8"?>
 <a:theme xmlns:a="http://schemas.openxmlformats.org/drawingml/2006/main" xmlns:r="http://schemas.openxmlformats.org/officeDocument/2006/relationships" name="khaki">
   <a:themeElements>
     <a:clrScheme name="Custom 349">
@@ -5061,7 +4784,7 @@
 </a:theme>
 </file>
 
-<file path=ppt/theme/theme3.xml><?xml version="1.0" encoding="utf-8"?>
+<file path=ppt/theme/theme2.xml><?xml version="1.0" encoding="utf-8"?>
 <a:theme xmlns:a="http://schemas.openxmlformats.org/drawingml/2006/main" xmlns:r="http://schemas.openxmlformats.org/officeDocument/2006/relationships" name="Office Theme">
   <a:themeElements>
     <a:clrScheme name="Office">
@@ -5376,4 +5099,281 @@
     </a:lnDef>
   </a:objectDefaults>
 </a:theme>
+</file>
+
+<file path=ppt/theme/theme3.xml><?xml version="1.0" encoding="utf-8"?>
+<a:theme xmlns:a="http://schemas.openxmlformats.org/drawingml/2006/main" xmlns:r="http://schemas.openxmlformats.org/officeDocument/2006/relationships" name="Custom Theme">
+  <a:themeElements>
+    <a:clrScheme name="Default">
+      <a:dk1>
+        <a:srgbClr val="000000"/>
+      </a:dk1>
+      <a:lt1>
+        <a:srgbClr val="FFFFFF"/>
+      </a:lt1>
+      <a:dk2>
+        <a:srgbClr val="158158"/>
+      </a:dk2>
+      <a:lt2>
+        <a:srgbClr val="F3F3F3"/>
+      </a:lt2>
+      <a:accent1>
+        <a:srgbClr val="058DC7"/>
+      </a:accent1>
+      <a:accent2>
+        <a:srgbClr val="50B432"/>
+      </a:accent2>
+      <a:accent3>
+        <a:srgbClr val="ED561B"/>
+      </a:accent3>
+      <a:accent4>
+        <a:srgbClr val="EDEF00"/>
+      </a:accent4>
+      <a:accent5>
+        <a:srgbClr val="24CBE5"/>
+      </a:accent5>
+      <a:accent6>
+        <a:srgbClr val="64E572"/>
+      </a:accent6>
+      <a:hlink>
+        <a:srgbClr val="2200CC"/>
+      </a:hlink>
+      <a:folHlink>
+        <a:srgbClr val="551A8B"/>
+      </a:folHlink>
+    </a:clrScheme>
+    <a:fontScheme name="Office">
+      <a:majorFont>
+        <a:latin typeface="Arial"/>
+        <a:ea typeface=""/>
+        <a:cs typeface=""/>
+        <a:font script="Jpan" typeface="ＭＳ Ｐゴシック"/>
+        <a:font script="Hang" typeface="맑은 고딕"/>
+        <a:font script="Hans" typeface="宋体"/>
+        <a:font script="Hant" typeface="新細明體"/>
+        <a:font script="Arab" typeface="Times New Roman"/>
+        <a:font script="Hebr" typeface="Times New Roman"/>
+        <a:font script="Thai" typeface="Angsana New"/>
+        <a:font script="Ethi" typeface="Nyala"/>
+        <a:font script="Beng" typeface="Vrinda"/>
+        <a:font script="Gujr" typeface="Shruti"/>
+        <a:font script="Khmr" typeface="MoolBoran"/>
+        <a:font script="Knda" typeface="Tunga"/>
+        <a:font script="Guru" typeface="Raavi"/>
+        <a:font script="Cans" typeface="Euphemia"/>
+        <a:font script="Cher" typeface="Plantagenet Cherokee"/>
+        <a:font script="Yiii" typeface="Microsoft Yi Baiti"/>
+        <a:font script="Tibt" typeface="Microsoft Himalaya"/>
+        <a:font script="Thaa" typeface="MV Boli"/>
+        <a:font script="Deva" typeface="Mangal"/>
+        <a:font script="Telu" typeface="Gautami"/>
+        <a:font script="Taml" typeface="Latha"/>
+        <a:font script="Syrc" typeface="Estrangelo Edessa"/>
+        <a:font script="Orya" typeface="Kalinga"/>
+        <a:font script="Mlym" typeface="Kartika"/>
+        <a:font script="Laoo" typeface="DokChampa"/>
+        <a:font script="Sinh" typeface="Iskoola Pota"/>
+        <a:font script="Mong" typeface="Mongolian Baiti"/>
+        <a:font script="Viet" typeface="Times New Roman"/>
+        <a:font script="Uigh" typeface="Microsoft Uighur"/>
+      </a:majorFont>
+      <a:minorFont>
+        <a:latin typeface="Arial"/>
+        <a:ea typeface=""/>
+        <a:cs typeface=""/>
+        <a:font script="Jpan" typeface="ＭＳ Ｐゴシック"/>
+        <a:font script="Hang" typeface="맑은 고딕"/>
+        <a:font script="Hans" typeface="宋体"/>
+        <a:font script="Hant" typeface="新細明體"/>
+        <a:font script="Arab" typeface="Times New Roman"/>
+        <a:font script="Hebr" typeface="Times New Roman"/>
+        <a:font script="Thai" typeface="Angsana New"/>
+        <a:font script="Ethi" typeface="Nyala"/>
+        <a:font script="Beng" typeface="Vrinda"/>
+        <a:font script="Gujr" typeface="Shruti"/>
+        <a:font script="Khmr" typeface="MoolBoran"/>
+        <a:font script="Knda" typeface="Tunga"/>
+        <a:font script="Guru" typeface="Raavi"/>
+        <a:font script="Cans" typeface="Euphemia"/>
+        <a:font script="Cher" typeface="Plantagenet Cherokee"/>
+        <a:font script="Yiii" typeface="Microsoft Yi Baiti"/>
+        <a:font script="Tibt" typeface="Microsoft Himalaya"/>
+        <a:font script="Thaa" typeface="MV Boli"/>
+        <a:font script="Deva" typeface="Mangal"/>
+        <a:font script="Telu" typeface="Gautami"/>
+        <a:font script="Taml" typeface="Latha"/>
+        <a:font script="Syrc" typeface="Estrangelo Edessa"/>
+        <a:font script="Orya" typeface="Kalinga"/>
+        <a:font script="Mlym" typeface="Kartika"/>
+        <a:font script="Laoo" typeface="DokChampa"/>
+        <a:font script="Sinh" typeface="Iskoola Pota"/>
+        <a:font script="Mong" typeface="Mongolian Baiti"/>
+        <a:font script="Viet" typeface="Times New Roman"/>
+        <a:font script="Uigh" typeface="Microsoft Uighur"/>
+      </a:minorFont>
+    </a:fontScheme>
+    <a:fmtScheme name="Office">
+      <a:fillStyleLst>
+        <a:solidFill>
+          <a:schemeClr val="phClr"/>
+        </a:solidFill>
+        <a:gradFill rotWithShape="1">
+          <a:gsLst>
+            <a:gs pos="0">
+              <a:schemeClr val="phClr">
+                <a:tint val="50000"/>
+                <a:satMod val="300000"/>
+              </a:schemeClr>
+            </a:gs>
+            <a:gs pos="35000">
+              <a:schemeClr val="phClr">
+                <a:tint val="37000"/>
+                <a:satMod val="300000"/>
+              </a:schemeClr>
+            </a:gs>
+            <a:gs pos="100000">
+              <a:schemeClr val="phClr">
+                <a:tint val="15000"/>
+                <a:satMod val="350000"/>
+              </a:schemeClr>
+            </a:gs>
+          </a:gsLst>
+          <a:lin ang="16200000" scaled="1"/>
+        </a:gradFill>
+        <a:gradFill rotWithShape="1">
+          <a:gsLst>
+            <a:gs pos="0">
+              <a:schemeClr val="phClr">
+                <a:tint val="100000"/>
+                <a:shade val="100000"/>
+                <a:satMod val="130000"/>
+              </a:schemeClr>
+            </a:gs>
+            <a:gs pos="100000">
+              <a:schemeClr val="phClr">
+                <a:tint val="50000"/>
+                <a:shade val="100000"/>
+                <a:satMod val="350000"/>
+              </a:schemeClr>
+            </a:gs>
+          </a:gsLst>
+          <a:lin ang="16200000" scaled="0"/>
+        </a:gradFill>
+      </a:fillStyleLst>
+      <a:lnStyleLst>
+        <a:ln cap="flat" cmpd="sng" w="9525" algn="ctr">
+          <a:solidFill>
+            <a:schemeClr val="phClr">
+              <a:shade val="95000"/>
+              <a:satMod val="105000"/>
+            </a:schemeClr>
+          </a:solidFill>
+          <a:prstDash val="solid"/>
+        </a:ln>
+        <a:ln cap="flat" cmpd="sng" w="25400" algn="ctr">
+          <a:solidFill>
+            <a:schemeClr val="phClr"/>
+          </a:solidFill>
+          <a:prstDash val="solid"/>
+        </a:ln>
+        <a:ln cap="flat" cmpd="sng" w="38100" algn="ctr">
+          <a:solidFill>
+            <a:schemeClr val="phClr"/>
+          </a:solidFill>
+          <a:prstDash val="solid"/>
+        </a:ln>
+      </a:lnStyleLst>
+      <a:effectStyleLst>
+        <a:effectStyle>
+          <a:effectLst>
+            <a:outerShdw blurRad="40000" rotWithShape="0" dir="5400000" dist="20000">
+              <a:srgbClr val="000000">
+                <a:alpha val="38000"/>
+              </a:srgbClr>
+            </a:outerShdw>
+          </a:effectLst>
+        </a:effectStyle>
+        <a:effectStyle>
+          <a:effectLst>
+            <a:outerShdw blurRad="40000" rotWithShape="0" dir="5400000" dist="23000">
+              <a:srgbClr val="000000">
+                <a:alpha val="35000"/>
+              </a:srgbClr>
+            </a:outerShdw>
+          </a:effectLst>
+        </a:effectStyle>
+        <a:effectStyle>
+          <a:effectLst>
+            <a:outerShdw blurRad="40000" rotWithShape="0" dir="5400000" dist="23000">
+              <a:srgbClr val="000000">
+                <a:alpha val="35000"/>
+              </a:srgbClr>
+            </a:outerShdw>
+          </a:effectLst>
+          <a:scene3d>
+            <a:camera prst="orthographicFront">
+              <a:rot lat="0" lon="0" rev="0"/>
+            </a:camera>
+            <a:lightRig dir="t" rig="threePt">
+              <a:rot lat="0" lon="0" rev="1200000"/>
+            </a:lightRig>
+          </a:scene3d>
+          <a:sp3d>
+            <a:bevelT h="25400" w="63500"/>
+          </a:sp3d>
+        </a:effectStyle>
+      </a:effectStyleLst>
+      <a:bgFillStyleLst>
+        <a:solidFill>
+          <a:schemeClr val="phClr"/>
+        </a:solidFill>
+        <a:gradFill rotWithShape="1">
+          <a:gsLst>
+            <a:gs pos="0">
+              <a:schemeClr val="phClr">
+                <a:tint val="40000"/>
+                <a:satMod val="350000"/>
+              </a:schemeClr>
+            </a:gs>
+            <a:gs pos="40000">
+              <a:schemeClr val="phClr">
+                <a:tint val="45000"/>
+                <a:shade val="99000"/>
+                <a:satMod val="350000"/>
+              </a:schemeClr>
+            </a:gs>
+            <a:gs pos="100000">
+              <a:schemeClr val="phClr">
+                <a:shade val="20000"/>
+                <a:satMod val="255000"/>
+              </a:schemeClr>
+            </a:gs>
+          </a:gsLst>
+          <a:path path="circle">
+            <a:fillToRect b="180000" l="50000" r="50000" t="-80000"/>
+          </a:path>
+        </a:gradFill>
+        <a:gradFill rotWithShape="1">
+          <a:gsLst>
+            <a:gs pos="0">
+              <a:schemeClr val="phClr">
+                <a:tint val="80000"/>
+                <a:satMod val="300000"/>
+              </a:schemeClr>
+            </a:gs>
+            <a:gs pos="100000">
+              <a:schemeClr val="phClr">
+                <a:shade val="30000"/>
+                <a:satMod val="200000"/>
+              </a:schemeClr>
+            </a:gs>
+          </a:gsLst>
+          <a:path path="circle">
+            <a:fillToRect b="50000" l="50000" r="50000" t="50000"/>
+          </a:path>
+        </a:gradFill>
+      </a:bgFillStyleLst>
+    </a:fmtScheme>
+  </a:themeElements>
+</a:theme>
 </file>
--- a/CS275-Projcet.pptx
+++ b/CS275-Projcet.pptx
@@ -17,9 +17,10 @@
     <p:sldId id="264" r:id="rId12"/>
     <p:sldId id="265" r:id="rId13"/>
     <p:sldId id="266" r:id="rId14"/>
+    <p:sldId id="267" r:id="rId15"/>
   </p:sldIdLst>
   <p:sldSz cx="9144000" cy="5143500"/>
-  <p:notesSz cx="6858000" cy="9144000"/>
+  <p:notesSz cx="7772400" cy="10058400"/>
 </p:presentation>
 </file>
 
@@ -64,7 +65,7 @@
       </p:grpSpPr>
       <p:sp>
         <p:nvSpPr>
-          <p:cNvPr id="26" name="PlaceHolder 1"/>
+          <p:cNvPr id="25" name="PlaceHolder 1"/>
           <p:cNvSpPr>
             <a:spLocks noGrp="1"/>
           </p:cNvSpPr>
@@ -75,7 +76,7 @@
         <p:spPr>
           <a:xfrm>
             <a:off x="457200" y="205920"/>
-            <a:ext cx="8229240" cy="857160"/>
+            <a:ext cx="8228880" cy="856800"/>
           </a:xfrm>
           <a:prstGeom prst="rect">
             <a:avLst/>
@@ -84,13 +85,14 @@
         <p:txBody>
           <a:bodyPr lIns="0" rIns="0" tIns="0" bIns="0" anchor="ctr"/>
           <a:p>
-            <a:endParaRPr/>
-          </a:p>
-        </p:txBody>
-      </p:sp>
-      <p:sp>
-        <p:nvSpPr>
-          <p:cNvPr id="27" name="PlaceHolder 2"/>
+            <a:pPr algn="ctr"/>
+            <a:endParaRPr/>
+          </a:p>
+        </p:txBody>
+      </p:sp>
+      <p:sp>
+        <p:nvSpPr>
+          <p:cNvPr id="26" name="PlaceHolder 2"/>
           <p:cNvSpPr>
             <a:spLocks noGrp="1"/>
           </p:cNvSpPr>
@@ -101,7 +103,7 @@
         <p:spPr>
           <a:xfrm>
             <a:off x="457200" y="1200240"/>
-            <a:ext cx="8229240" cy="1776600"/>
+            <a:ext cx="8228880" cy="1776600"/>
           </a:xfrm>
           <a:prstGeom prst="rect">
             <a:avLst/>
@@ -116,7 +118,7 @@
       </p:sp>
       <p:sp>
         <p:nvSpPr>
-          <p:cNvPr id="28" name="PlaceHolder 3"/>
+          <p:cNvPr id="27" name="PlaceHolder 3"/>
           <p:cNvSpPr>
             <a:spLocks noGrp="1"/>
           </p:cNvSpPr>
@@ -127,7 +129,7 @@
         <p:spPr>
           <a:xfrm>
             <a:off x="457200" y="3146040"/>
-            <a:ext cx="8229240" cy="1776600"/>
+            <a:ext cx="8228880" cy="1776600"/>
           </a:xfrm>
           <a:prstGeom prst="rect">
             <a:avLst/>
@@ -164,7 +166,7 @@
       </p:grpSpPr>
       <p:sp>
         <p:nvSpPr>
-          <p:cNvPr id="29" name="PlaceHolder 1"/>
+          <p:cNvPr id="28" name="PlaceHolder 1"/>
           <p:cNvSpPr>
             <a:spLocks noGrp="1"/>
           </p:cNvSpPr>
@@ -175,7 +177,7 @@
         <p:spPr>
           <a:xfrm>
             <a:off x="457200" y="205920"/>
-            <a:ext cx="8229240" cy="857160"/>
+            <a:ext cx="8228880" cy="856800"/>
           </a:xfrm>
           <a:prstGeom prst="rect">
             <a:avLst/>
@@ -184,13 +186,14 @@
         <p:txBody>
           <a:bodyPr lIns="0" rIns="0" tIns="0" bIns="0" anchor="ctr"/>
           <a:p>
-            <a:endParaRPr/>
-          </a:p>
-        </p:txBody>
-      </p:sp>
-      <p:sp>
-        <p:nvSpPr>
-          <p:cNvPr id="30" name="PlaceHolder 2"/>
+            <a:pPr algn="ctr"/>
+            <a:endParaRPr/>
+          </a:p>
+        </p:txBody>
+      </p:sp>
+      <p:sp>
+        <p:nvSpPr>
+          <p:cNvPr id="29" name="PlaceHolder 2"/>
           <p:cNvSpPr>
             <a:spLocks noGrp="1"/>
           </p:cNvSpPr>
@@ -201,7 +204,7 @@
         <p:spPr>
           <a:xfrm>
             <a:off x="457200" y="1200240"/>
-            <a:ext cx="4015800" cy="1776600"/>
+            <a:ext cx="4015440" cy="1776600"/>
           </a:xfrm>
           <a:prstGeom prst="rect">
             <a:avLst/>
@@ -216,7 +219,7 @@
       </p:sp>
       <p:sp>
         <p:nvSpPr>
-          <p:cNvPr id="31" name="PlaceHolder 3"/>
+          <p:cNvPr id="30" name="PlaceHolder 3"/>
           <p:cNvSpPr>
             <a:spLocks noGrp="1"/>
           </p:cNvSpPr>
@@ -226,8 +229,8 @@
         </p:nvSpPr>
         <p:spPr>
           <a:xfrm>
-            <a:off x="4674240" y="1200240"/>
-            <a:ext cx="4015800" cy="1776600"/>
+            <a:off x="4673880" y="1200240"/>
+            <a:ext cx="4015440" cy="1776600"/>
           </a:xfrm>
           <a:prstGeom prst="rect">
             <a:avLst/>
@@ -242,7 +245,7 @@
       </p:sp>
       <p:sp>
         <p:nvSpPr>
-          <p:cNvPr id="32" name="PlaceHolder 4"/>
+          <p:cNvPr id="31" name="PlaceHolder 4"/>
           <p:cNvSpPr>
             <a:spLocks noGrp="1"/>
           </p:cNvSpPr>
@@ -252,8 +255,8 @@
         </p:nvSpPr>
         <p:spPr>
           <a:xfrm>
-            <a:off x="4674240" y="3146040"/>
-            <a:ext cx="4015800" cy="1776600"/>
+            <a:off x="4673880" y="3146040"/>
+            <a:ext cx="4015440" cy="1776600"/>
           </a:xfrm>
           <a:prstGeom prst="rect">
             <a:avLst/>
@@ -268,7 +271,7 @@
       </p:sp>
       <p:sp>
         <p:nvSpPr>
-          <p:cNvPr id="33" name="PlaceHolder 5"/>
+          <p:cNvPr id="32" name="PlaceHolder 5"/>
           <p:cNvSpPr>
             <a:spLocks noGrp="1"/>
           </p:cNvSpPr>
@@ -279,7 +282,7 @@
         <p:spPr>
           <a:xfrm>
             <a:off x="457200" y="3146040"/>
-            <a:ext cx="4015800" cy="1776600"/>
+            <a:ext cx="4015440" cy="1776600"/>
           </a:xfrm>
           <a:prstGeom prst="rect">
             <a:avLst/>
@@ -316,7 +319,7 @@
       </p:grpSpPr>
       <p:sp>
         <p:nvSpPr>
-          <p:cNvPr id="34" name="PlaceHolder 1"/>
+          <p:cNvPr id="33" name="PlaceHolder 1"/>
           <p:cNvSpPr>
             <a:spLocks noGrp="1"/>
           </p:cNvSpPr>
@@ -327,7 +330,7 @@
         <p:spPr>
           <a:xfrm>
             <a:off x="457200" y="205920"/>
-            <a:ext cx="8229240" cy="857160"/>
+            <a:ext cx="8228880" cy="856800"/>
           </a:xfrm>
           <a:prstGeom prst="rect">
             <a:avLst/>
@@ -336,13 +339,14 @@
         <p:txBody>
           <a:bodyPr lIns="0" rIns="0" tIns="0" bIns="0" anchor="ctr"/>
           <a:p>
-            <a:endParaRPr/>
-          </a:p>
-        </p:txBody>
-      </p:sp>
-      <p:sp>
-        <p:nvSpPr>
-          <p:cNvPr id="35" name="PlaceHolder 2"/>
+            <a:pPr algn="ctr"/>
+            <a:endParaRPr/>
+          </a:p>
+        </p:txBody>
+      </p:sp>
+      <p:sp>
+        <p:nvSpPr>
+          <p:cNvPr id="34" name="PlaceHolder 2"/>
           <p:cNvSpPr>
             <a:spLocks noGrp="1"/>
           </p:cNvSpPr>
@@ -353,7 +357,7 @@
         <p:spPr>
           <a:xfrm>
             <a:off x="457200" y="1200240"/>
-            <a:ext cx="8229240" cy="3725280"/>
+            <a:ext cx="8228880" cy="3724920"/>
           </a:xfrm>
           <a:prstGeom prst="rect">
             <a:avLst/>
@@ -368,7 +372,7 @@
       </p:sp>
       <p:sp>
         <p:nvSpPr>
-          <p:cNvPr id="36" name="PlaceHolder 3"/>
+          <p:cNvPr id="35" name="PlaceHolder 3"/>
           <p:cNvSpPr>
             <a:spLocks noGrp="1"/>
           </p:cNvSpPr>
@@ -379,7 +383,7 @@
         <p:spPr>
           <a:xfrm>
             <a:off x="457200" y="1200240"/>
-            <a:ext cx="8229240" cy="3725280"/>
+            <a:ext cx="8228880" cy="3724920"/>
           </a:xfrm>
           <a:prstGeom prst="rect">
             <a:avLst/>
@@ -392,6 +396,29 @@
           </a:p>
         </p:txBody>
       </p:sp>
+      <p:pic>
+        <p:nvPicPr>
+          <p:cNvPr id="36" name="" descr=""/>
+          <p:cNvPicPr/>
+          <p:nvPr/>
+        </p:nvPicPr>
+        <p:blipFill>
+          <a:blip r:embed="rId2"/>
+          <a:stretch/>
+        </p:blipFill>
+        <p:spPr>
+          <a:xfrm>
+            <a:off x="2237400" y="1199880"/>
+            <a:ext cx="4668480" cy="3724920"/>
+          </a:xfrm>
+          <a:prstGeom prst="rect">
+            <a:avLst/>
+          </a:prstGeom>
+          <a:ln>
+            <a:noFill/>
+          </a:ln>
+        </p:spPr>
+      </p:pic>
       <p:pic>
         <p:nvPicPr>
           <p:cNvPr id="37" name="" descr=""/>
@@ -399,36 +426,13 @@
           <p:nvPr/>
         </p:nvPicPr>
         <p:blipFill>
-          <a:blip r:embed="rId2"/>
-          <a:stretch/>
-        </p:blipFill>
-        <p:spPr>
-          <a:xfrm>
-            <a:off x="2237040" y="1200240"/>
-            <a:ext cx="4668840" cy="3725280"/>
-          </a:xfrm>
-          <a:prstGeom prst="rect">
-            <a:avLst/>
-          </a:prstGeom>
-          <a:ln>
-            <a:noFill/>
-          </a:ln>
-        </p:spPr>
-      </p:pic>
-      <p:pic>
-        <p:nvPicPr>
-          <p:cNvPr id="38" name="" descr=""/>
-          <p:cNvPicPr/>
-          <p:nvPr/>
-        </p:nvPicPr>
-        <p:blipFill>
           <a:blip r:embed="rId3"/>
           <a:stretch/>
         </p:blipFill>
         <p:spPr>
           <a:xfrm>
-            <a:off x="2237040" y="1200240"/>
-            <a:ext cx="4668840" cy="3725280"/>
+            <a:off x="2237400" y="1199880"/>
+            <a:ext cx="4668480" cy="3724920"/>
           </a:xfrm>
           <a:prstGeom prst="rect">
             <a:avLst/>
@@ -484,7 +488,7 @@
       </p:grpSpPr>
       <p:sp>
         <p:nvSpPr>
-          <p:cNvPr id="44" name="PlaceHolder 1"/>
+          <p:cNvPr id="42" name="PlaceHolder 1"/>
           <p:cNvSpPr>
             <a:spLocks noGrp="1"/>
           </p:cNvSpPr>
@@ -495,7 +499,7 @@
         <p:spPr>
           <a:xfrm>
             <a:off x="457200" y="205920"/>
-            <a:ext cx="8229240" cy="857160"/>
+            <a:ext cx="8228880" cy="856800"/>
           </a:xfrm>
           <a:prstGeom prst="rect">
             <a:avLst/>
@@ -504,13 +508,14 @@
         <p:txBody>
           <a:bodyPr lIns="0" rIns="0" tIns="0" bIns="0" anchor="ctr"/>
           <a:p>
-            <a:endParaRPr/>
-          </a:p>
-        </p:txBody>
-      </p:sp>
-      <p:sp>
-        <p:nvSpPr>
-          <p:cNvPr id="45" name="PlaceHolder 2"/>
+            <a:pPr algn="ctr"/>
+            <a:endParaRPr/>
+          </a:p>
+        </p:txBody>
+      </p:sp>
+      <p:sp>
+        <p:nvSpPr>
+          <p:cNvPr id="43" name="PlaceHolder 2"/>
           <p:cNvSpPr>
             <a:spLocks noGrp="1"/>
           </p:cNvSpPr>
@@ -521,7 +526,7 @@
         <p:spPr>
           <a:xfrm>
             <a:off x="457200" y="1200240"/>
-            <a:ext cx="8229240" cy="3725280"/>
+            <a:ext cx="8228880" cy="3724920"/>
           </a:xfrm>
           <a:prstGeom prst="rect">
             <a:avLst/>
@@ -559,7 +564,7 @@
       </p:grpSpPr>
       <p:sp>
         <p:nvSpPr>
-          <p:cNvPr id="46" name="PlaceHolder 1"/>
+          <p:cNvPr id="44" name="PlaceHolder 1"/>
           <p:cNvSpPr>
             <a:spLocks noGrp="1"/>
           </p:cNvSpPr>
@@ -570,7 +575,7 @@
         <p:spPr>
           <a:xfrm>
             <a:off x="457200" y="205920"/>
-            <a:ext cx="8229240" cy="857160"/>
+            <a:ext cx="8228880" cy="856800"/>
           </a:xfrm>
           <a:prstGeom prst="rect">
             <a:avLst/>
@@ -579,13 +584,14 @@
         <p:txBody>
           <a:bodyPr lIns="0" rIns="0" tIns="0" bIns="0" anchor="ctr"/>
           <a:p>
-            <a:endParaRPr/>
-          </a:p>
-        </p:txBody>
-      </p:sp>
-      <p:sp>
-        <p:nvSpPr>
-          <p:cNvPr id="47" name="PlaceHolder 2"/>
+            <a:pPr algn="ctr"/>
+            <a:endParaRPr/>
+          </a:p>
+        </p:txBody>
+      </p:sp>
+      <p:sp>
+        <p:nvSpPr>
+          <p:cNvPr id="45" name="PlaceHolder 2"/>
           <p:cNvSpPr>
             <a:spLocks noGrp="1"/>
           </p:cNvSpPr>
@@ -596,7 +602,7 @@
         <p:spPr>
           <a:xfrm>
             <a:off x="457200" y="1200240"/>
-            <a:ext cx="8229240" cy="3725280"/>
+            <a:ext cx="8228880" cy="3724920"/>
           </a:xfrm>
           <a:prstGeom prst="rect">
             <a:avLst/>
@@ -633,7 +639,7 @@
       </p:grpSpPr>
       <p:sp>
         <p:nvSpPr>
-          <p:cNvPr id="48" name="PlaceHolder 1"/>
+          <p:cNvPr id="46" name="PlaceHolder 1"/>
           <p:cNvSpPr>
             <a:spLocks noGrp="1"/>
           </p:cNvSpPr>
@@ -644,7 +650,7 @@
         <p:spPr>
           <a:xfrm>
             <a:off x="457200" y="205920"/>
-            <a:ext cx="8229240" cy="857160"/>
+            <a:ext cx="8228880" cy="856800"/>
           </a:xfrm>
           <a:prstGeom prst="rect">
             <a:avLst/>
@@ -653,13 +659,14 @@
         <p:txBody>
           <a:bodyPr lIns="0" rIns="0" tIns="0" bIns="0" anchor="ctr"/>
           <a:p>
-            <a:endParaRPr/>
-          </a:p>
-        </p:txBody>
-      </p:sp>
-      <p:sp>
-        <p:nvSpPr>
-          <p:cNvPr id="49" name="PlaceHolder 2"/>
+            <a:pPr algn="ctr"/>
+            <a:endParaRPr/>
+          </a:p>
+        </p:txBody>
+      </p:sp>
+      <p:sp>
+        <p:nvSpPr>
+          <p:cNvPr id="47" name="PlaceHolder 2"/>
           <p:cNvSpPr>
             <a:spLocks noGrp="1"/>
           </p:cNvSpPr>
@@ -670,7 +677,7 @@
         <p:spPr>
           <a:xfrm>
             <a:off x="457200" y="1200240"/>
-            <a:ext cx="4015800" cy="3725280"/>
+            <a:ext cx="4015440" cy="3724920"/>
           </a:xfrm>
           <a:prstGeom prst="rect">
             <a:avLst/>
@@ -685,7 +692,7 @@
       </p:sp>
       <p:sp>
         <p:nvSpPr>
-          <p:cNvPr id="50" name="PlaceHolder 3"/>
+          <p:cNvPr id="48" name="PlaceHolder 3"/>
           <p:cNvSpPr>
             <a:spLocks noGrp="1"/>
           </p:cNvSpPr>
@@ -695,8 +702,8 @@
         </p:nvSpPr>
         <p:spPr>
           <a:xfrm>
-            <a:off x="4674240" y="1200240"/>
-            <a:ext cx="4015800" cy="3725280"/>
+            <a:off x="4673880" y="1200240"/>
+            <a:ext cx="4015440" cy="3724920"/>
           </a:xfrm>
           <a:prstGeom prst="rect">
             <a:avLst/>
@@ -733,7 +740,7 @@
       </p:grpSpPr>
       <p:sp>
         <p:nvSpPr>
-          <p:cNvPr id="51" name="PlaceHolder 1"/>
+          <p:cNvPr id="49" name="PlaceHolder 1"/>
           <p:cNvSpPr>
             <a:spLocks noGrp="1"/>
           </p:cNvSpPr>
@@ -744,7 +751,7 @@
         <p:spPr>
           <a:xfrm>
             <a:off x="457200" y="205920"/>
-            <a:ext cx="8229240" cy="857160"/>
+            <a:ext cx="8228880" cy="856800"/>
           </a:xfrm>
           <a:prstGeom prst="rect">
             <a:avLst/>
@@ -753,6 +760,7 @@
         <p:txBody>
           <a:bodyPr lIns="0" rIns="0" tIns="0" bIns="0" anchor="ctr"/>
           <a:p>
+            <a:pPr algn="ctr"/>
             <a:endParaRPr/>
           </a:p>
         </p:txBody>
@@ -781,7 +789,7 @@
       </p:grpSpPr>
       <p:sp>
         <p:nvSpPr>
-          <p:cNvPr id="52" name="PlaceHolder 1"/>
+          <p:cNvPr id="50" name="PlaceHolder 1"/>
           <p:cNvSpPr>
             <a:spLocks noGrp="1"/>
           </p:cNvSpPr>
@@ -792,7 +800,7 @@
         <p:spPr>
           <a:xfrm>
             <a:off x="457200" y="205920"/>
-            <a:ext cx="8229240" cy="3974760"/>
+            <a:ext cx="8228880" cy="3972960"/>
           </a:xfrm>
           <a:prstGeom prst="rect">
             <a:avLst/>
@@ -830,7 +838,7 @@
       </p:grpSpPr>
       <p:sp>
         <p:nvSpPr>
-          <p:cNvPr id="53" name="PlaceHolder 1"/>
+          <p:cNvPr id="51" name="PlaceHolder 1"/>
           <p:cNvSpPr>
             <a:spLocks noGrp="1"/>
           </p:cNvSpPr>
@@ -841,7 +849,7 @@
         <p:spPr>
           <a:xfrm>
             <a:off x="457200" y="205920"/>
-            <a:ext cx="8229240" cy="857160"/>
+            <a:ext cx="8228880" cy="856800"/>
           </a:xfrm>
           <a:prstGeom prst="rect">
             <a:avLst/>
@@ -850,13 +858,14 @@
         <p:txBody>
           <a:bodyPr lIns="0" rIns="0" tIns="0" bIns="0" anchor="ctr"/>
           <a:p>
-            <a:endParaRPr/>
-          </a:p>
-        </p:txBody>
-      </p:sp>
-      <p:sp>
-        <p:nvSpPr>
-          <p:cNvPr id="54" name="PlaceHolder 2"/>
+            <a:pPr algn="ctr"/>
+            <a:endParaRPr/>
+          </a:p>
+        </p:txBody>
+      </p:sp>
+      <p:sp>
+        <p:nvSpPr>
+          <p:cNvPr id="52" name="PlaceHolder 2"/>
           <p:cNvSpPr>
             <a:spLocks noGrp="1"/>
           </p:cNvSpPr>
@@ -867,7 +876,7 @@
         <p:spPr>
           <a:xfrm>
             <a:off x="457200" y="1200240"/>
-            <a:ext cx="4015800" cy="1776600"/>
+            <a:ext cx="4015440" cy="1776600"/>
           </a:xfrm>
           <a:prstGeom prst="rect">
             <a:avLst/>
@@ -882,7 +891,7 @@
       </p:sp>
       <p:sp>
         <p:nvSpPr>
-          <p:cNvPr id="55" name="PlaceHolder 3"/>
+          <p:cNvPr id="53" name="PlaceHolder 3"/>
           <p:cNvSpPr>
             <a:spLocks noGrp="1"/>
           </p:cNvSpPr>
@@ -893,7 +902,7 @@
         <p:spPr>
           <a:xfrm>
             <a:off x="457200" y="3146040"/>
-            <a:ext cx="4015800" cy="1776600"/>
+            <a:ext cx="4015440" cy="1776600"/>
           </a:xfrm>
           <a:prstGeom prst="rect">
             <a:avLst/>
@@ -908,7 +917,7 @@
       </p:sp>
       <p:sp>
         <p:nvSpPr>
-          <p:cNvPr id="56" name="PlaceHolder 4"/>
+          <p:cNvPr id="54" name="PlaceHolder 4"/>
           <p:cNvSpPr>
             <a:spLocks noGrp="1"/>
           </p:cNvSpPr>
@@ -918,8 +927,8 @@
         </p:nvSpPr>
         <p:spPr>
           <a:xfrm>
-            <a:off x="4674240" y="1200240"/>
-            <a:ext cx="4015800" cy="3725280"/>
+            <a:off x="4673880" y="1200240"/>
+            <a:ext cx="4015440" cy="3724920"/>
           </a:xfrm>
           <a:prstGeom prst="rect">
             <a:avLst/>
@@ -956,7 +965,7 @@
       </p:grpSpPr>
       <p:sp>
         <p:nvSpPr>
-          <p:cNvPr id="5" name="PlaceHolder 1"/>
+          <p:cNvPr id="4" name="PlaceHolder 1"/>
           <p:cNvSpPr>
             <a:spLocks noGrp="1"/>
           </p:cNvSpPr>
@@ -967,7 +976,7 @@
         <p:spPr>
           <a:xfrm>
             <a:off x="457200" y="205920"/>
-            <a:ext cx="8229240" cy="857160"/>
+            <a:ext cx="8228880" cy="856800"/>
           </a:xfrm>
           <a:prstGeom prst="rect">
             <a:avLst/>
@@ -976,13 +985,14 @@
         <p:txBody>
           <a:bodyPr lIns="0" rIns="0" tIns="0" bIns="0" anchor="ctr"/>
           <a:p>
-            <a:endParaRPr/>
-          </a:p>
-        </p:txBody>
-      </p:sp>
-      <p:sp>
-        <p:nvSpPr>
-          <p:cNvPr id="6" name="PlaceHolder 2"/>
+            <a:pPr algn="ctr"/>
+            <a:endParaRPr/>
+          </a:p>
+        </p:txBody>
+      </p:sp>
+      <p:sp>
+        <p:nvSpPr>
+          <p:cNvPr id="5" name="PlaceHolder 2"/>
           <p:cNvSpPr>
             <a:spLocks noGrp="1"/>
           </p:cNvSpPr>
@@ -993,7 +1003,7 @@
         <p:spPr>
           <a:xfrm>
             <a:off x="457200" y="1200240"/>
-            <a:ext cx="8229240" cy="3725280"/>
+            <a:ext cx="8228880" cy="3724920"/>
           </a:xfrm>
           <a:prstGeom prst="rect">
             <a:avLst/>
@@ -1031,7 +1041,7 @@
       </p:grpSpPr>
       <p:sp>
         <p:nvSpPr>
-          <p:cNvPr id="57" name="PlaceHolder 1"/>
+          <p:cNvPr id="55" name="PlaceHolder 1"/>
           <p:cNvSpPr>
             <a:spLocks noGrp="1"/>
           </p:cNvSpPr>
@@ -1042,7 +1052,7 @@
         <p:spPr>
           <a:xfrm>
             <a:off x="457200" y="205920"/>
-            <a:ext cx="8229240" cy="857160"/>
+            <a:ext cx="8228880" cy="856800"/>
           </a:xfrm>
           <a:prstGeom prst="rect">
             <a:avLst/>
@@ -1051,13 +1061,14 @@
         <p:txBody>
           <a:bodyPr lIns="0" rIns="0" tIns="0" bIns="0" anchor="ctr"/>
           <a:p>
-            <a:endParaRPr/>
-          </a:p>
-        </p:txBody>
-      </p:sp>
-      <p:sp>
-        <p:nvSpPr>
-          <p:cNvPr id="58" name="PlaceHolder 2"/>
+            <a:pPr algn="ctr"/>
+            <a:endParaRPr/>
+          </a:p>
+        </p:txBody>
+      </p:sp>
+      <p:sp>
+        <p:nvSpPr>
+          <p:cNvPr id="56" name="PlaceHolder 2"/>
           <p:cNvSpPr>
             <a:spLocks noGrp="1"/>
           </p:cNvSpPr>
@@ -1068,7 +1079,7 @@
         <p:spPr>
           <a:xfrm>
             <a:off x="457200" y="1200240"/>
-            <a:ext cx="4015800" cy="3725280"/>
+            <a:ext cx="4015440" cy="3724920"/>
           </a:xfrm>
           <a:prstGeom prst="rect">
             <a:avLst/>
@@ -1083,7 +1094,7 @@
       </p:sp>
       <p:sp>
         <p:nvSpPr>
-          <p:cNvPr id="59" name="PlaceHolder 3"/>
+          <p:cNvPr id="57" name="PlaceHolder 3"/>
           <p:cNvSpPr>
             <a:spLocks noGrp="1"/>
           </p:cNvSpPr>
@@ -1093,8 +1104,8 @@
         </p:nvSpPr>
         <p:spPr>
           <a:xfrm>
-            <a:off x="4674240" y="1200240"/>
-            <a:ext cx="4015800" cy="1776600"/>
+            <a:off x="4673880" y="1200240"/>
+            <a:ext cx="4015440" cy="1776600"/>
           </a:xfrm>
           <a:prstGeom prst="rect">
             <a:avLst/>
@@ -1109,7 +1120,7 @@
       </p:sp>
       <p:sp>
         <p:nvSpPr>
-          <p:cNvPr id="60" name="PlaceHolder 4"/>
+          <p:cNvPr id="58" name="PlaceHolder 4"/>
           <p:cNvSpPr>
             <a:spLocks noGrp="1"/>
           </p:cNvSpPr>
@@ -1119,8 +1130,8 @@
         </p:nvSpPr>
         <p:spPr>
           <a:xfrm>
-            <a:off x="4674240" y="3146040"/>
-            <a:ext cx="4015800" cy="1776600"/>
+            <a:off x="4673880" y="3146040"/>
+            <a:ext cx="4015440" cy="1776600"/>
           </a:xfrm>
           <a:prstGeom prst="rect">
             <a:avLst/>
@@ -1157,7 +1168,7 @@
       </p:grpSpPr>
       <p:sp>
         <p:nvSpPr>
-          <p:cNvPr id="61" name="PlaceHolder 1"/>
+          <p:cNvPr id="59" name="PlaceHolder 1"/>
           <p:cNvSpPr>
             <a:spLocks noGrp="1"/>
           </p:cNvSpPr>
@@ -1168,7 +1179,7 @@
         <p:spPr>
           <a:xfrm>
             <a:off x="457200" y="205920"/>
-            <a:ext cx="8229240" cy="857160"/>
+            <a:ext cx="8228880" cy="856800"/>
           </a:xfrm>
           <a:prstGeom prst="rect">
             <a:avLst/>
@@ -1177,13 +1188,14 @@
         <p:txBody>
           <a:bodyPr lIns="0" rIns="0" tIns="0" bIns="0" anchor="ctr"/>
           <a:p>
-            <a:endParaRPr/>
-          </a:p>
-        </p:txBody>
-      </p:sp>
-      <p:sp>
-        <p:nvSpPr>
-          <p:cNvPr id="62" name="PlaceHolder 2"/>
+            <a:pPr algn="ctr"/>
+            <a:endParaRPr/>
+          </a:p>
+        </p:txBody>
+      </p:sp>
+      <p:sp>
+        <p:nvSpPr>
+          <p:cNvPr id="60" name="PlaceHolder 2"/>
           <p:cNvSpPr>
             <a:spLocks noGrp="1"/>
           </p:cNvSpPr>
@@ -1194,7 +1206,7 @@
         <p:spPr>
           <a:xfrm>
             <a:off x="457200" y="1200240"/>
-            <a:ext cx="4015800" cy="1776600"/>
+            <a:ext cx="4015440" cy="1776600"/>
           </a:xfrm>
           <a:prstGeom prst="rect">
             <a:avLst/>
@@ -1209,7 +1221,7 @@
       </p:sp>
       <p:sp>
         <p:nvSpPr>
-          <p:cNvPr id="63" name="PlaceHolder 3"/>
+          <p:cNvPr id="61" name="PlaceHolder 3"/>
           <p:cNvSpPr>
             <a:spLocks noGrp="1"/>
           </p:cNvSpPr>
@@ -1219,8 +1231,8 @@
         </p:nvSpPr>
         <p:spPr>
           <a:xfrm>
-            <a:off x="4674240" y="1200240"/>
-            <a:ext cx="4015800" cy="1776600"/>
+            <a:off x="4673880" y="1200240"/>
+            <a:ext cx="4015440" cy="1776600"/>
           </a:xfrm>
           <a:prstGeom prst="rect">
             <a:avLst/>
@@ -1235,7 +1247,7 @@
       </p:sp>
       <p:sp>
         <p:nvSpPr>
-          <p:cNvPr id="64" name="PlaceHolder 4"/>
+          <p:cNvPr id="62" name="PlaceHolder 4"/>
           <p:cNvSpPr>
             <a:spLocks noGrp="1"/>
           </p:cNvSpPr>
@@ -1246,7 +1258,7 @@
         <p:spPr>
           <a:xfrm>
             <a:off x="457200" y="3146040"/>
-            <a:ext cx="8229240" cy="1776600"/>
+            <a:ext cx="8228880" cy="1776600"/>
           </a:xfrm>
           <a:prstGeom prst="rect">
             <a:avLst/>
@@ -1283,7 +1295,7 @@
       </p:grpSpPr>
       <p:sp>
         <p:nvSpPr>
-          <p:cNvPr id="65" name="PlaceHolder 1"/>
+          <p:cNvPr id="63" name="PlaceHolder 1"/>
           <p:cNvSpPr>
             <a:spLocks noGrp="1"/>
           </p:cNvSpPr>
@@ -1294,7 +1306,7 @@
         <p:spPr>
           <a:xfrm>
             <a:off x="457200" y="205920"/>
-            <a:ext cx="8229240" cy="857160"/>
+            <a:ext cx="8228880" cy="856800"/>
           </a:xfrm>
           <a:prstGeom prst="rect">
             <a:avLst/>
@@ -1303,13 +1315,14 @@
         <p:txBody>
           <a:bodyPr lIns="0" rIns="0" tIns="0" bIns="0" anchor="ctr"/>
           <a:p>
-            <a:endParaRPr/>
-          </a:p>
-        </p:txBody>
-      </p:sp>
-      <p:sp>
-        <p:nvSpPr>
-          <p:cNvPr id="66" name="PlaceHolder 2"/>
+            <a:pPr algn="ctr"/>
+            <a:endParaRPr/>
+          </a:p>
+        </p:txBody>
+      </p:sp>
+      <p:sp>
+        <p:nvSpPr>
+          <p:cNvPr id="64" name="PlaceHolder 2"/>
           <p:cNvSpPr>
             <a:spLocks noGrp="1"/>
           </p:cNvSpPr>
@@ -1320,7 +1333,7 @@
         <p:spPr>
           <a:xfrm>
             <a:off x="457200" y="1200240"/>
-            <a:ext cx="8229240" cy="1776600"/>
+            <a:ext cx="8228880" cy="1776600"/>
           </a:xfrm>
           <a:prstGeom prst="rect">
             <a:avLst/>
@@ -1335,7 +1348,7 @@
       </p:sp>
       <p:sp>
         <p:nvSpPr>
-          <p:cNvPr id="67" name="PlaceHolder 3"/>
+          <p:cNvPr id="65" name="PlaceHolder 3"/>
           <p:cNvSpPr>
             <a:spLocks noGrp="1"/>
           </p:cNvSpPr>
@@ -1346,7 +1359,7 @@
         <p:spPr>
           <a:xfrm>
             <a:off x="457200" y="3146040"/>
-            <a:ext cx="8229240" cy="1776600"/>
+            <a:ext cx="8228880" cy="1776600"/>
           </a:xfrm>
           <a:prstGeom prst="rect">
             <a:avLst/>
@@ -1383,7 +1396,7 @@
       </p:grpSpPr>
       <p:sp>
         <p:nvSpPr>
-          <p:cNvPr id="68" name="PlaceHolder 1"/>
+          <p:cNvPr id="66" name="PlaceHolder 1"/>
           <p:cNvSpPr>
             <a:spLocks noGrp="1"/>
           </p:cNvSpPr>
@@ -1394,7 +1407,7 @@
         <p:spPr>
           <a:xfrm>
             <a:off x="457200" y="205920"/>
-            <a:ext cx="8229240" cy="857160"/>
+            <a:ext cx="8228880" cy="856800"/>
           </a:xfrm>
           <a:prstGeom prst="rect">
             <a:avLst/>
@@ -1403,13 +1416,14 @@
         <p:txBody>
           <a:bodyPr lIns="0" rIns="0" tIns="0" bIns="0" anchor="ctr"/>
           <a:p>
-            <a:endParaRPr/>
-          </a:p>
-        </p:txBody>
-      </p:sp>
-      <p:sp>
-        <p:nvSpPr>
-          <p:cNvPr id="69" name="PlaceHolder 2"/>
+            <a:pPr algn="ctr"/>
+            <a:endParaRPr/>
+          </a:p>
+        </p:txBody>
+      </p:sp>
+      <p:sp>
+        <p:nvSpPr>
+          <p:cNvPr id="67" name="PlaceHolder 2"/>
           <p:cNvSpPr>
             <a:spLocks noGrp="1"/>
           </p:cNvSpPr>
@@ -1420,7 +1434,7 @@
         <p:spPr>
           <a:xfrm>
             <a:off x="457200" y="1200240"/>
-            <a:ext cx="4015800" cy="1776600"/>
+            <a:ext cx="4015440" cy="1776600"/>
           </a:xfrm>
           <a:prstGeom prst="rect">
             <a:avLst/>
@@ -1435,7 +1449,7 @@
       </p:sp>
       <p:sp>
         <p:nvSpPr>
-          <p:cNvPr id="70" name="PlaceHolder 3"/>
+          <p:cNvPr id="68" name="PlaceHolder 3"/>
           <p:cNvSpPr>
             <a:spLocks noGrp="1"/>
           </p:cNvSpPr>
@@ -1445,8 +1459,8 @@
         </p:nvSpPr>
         <p:spPr>
           <a:xfrm>
-            <a:off x="4674240" y="1200240"/>
-            <a:ext cx="4015800" cy="1776600"/>
+            <a:off x="4673880" y="1200240"/>
+            <a:ext cx="4015440" cy="1776600"/>
           </a:xfrm>
           <a:prstGeom prst="rect">
             <a:avLst/>
@@ -1461,7 +1475,7 @@
       </p:sp>
       <p:sp>
         <p:nvSpPr>
-          <p:cNvPr id="71" name="PlaceHolder 4"/>
+          <p:cNvPr id="69" name="PlaceHolder 4"/>
           <p:cNvSpPr>
             <a:spLocks noGrp="1"/>
           </p:cNvSpPr>
@@ -1471,8 +1485,8 @@
         </p:nvSpPr>
         <p:spPr>
           <a:xfrm>
-            <a:off x="4674240" y="3146040"/>
-            <a:ext cx="4015800" cy="1776600"/>
+            <a:off x="4673880" y="3146040"/>
+            <a:ext cx="4015440" cy="1776600"/>
           </a:xfrm>
           <a:prstGeom prst="rect">
             <a:avLst/>
@@ -1487,7 +1501,7 @@
       </p:sp>
       <p:sp>
         <p:nvSpPr>
-          <p:cNvPr id="72" name="PlaceHolder 5"/>
+          <p:cNvPr id="70" name="PlaceHolder 5"/>
           <p:cNvSpPr>
             <a:spLocks noGrp="1"/>
           </p:cNvSpPr>
@@ -1498,7 +1512,7 @@
         <p:spPr>
           <a:xfrm>
             <a:off x="457200" y="3146040"/>
-            <a:ext cx="4015800" cy="1776600"/>
+            <a:ext cx="4015440" cy="1776600"/>
           </a:xfrm>
           <a:prstGeom prst="rect">
             <a:avLst/>
@@ -1535,7 +1549,7 @@
       </p:grpSpPr>
       <p:sp>
         <p:nvSpPr>
-          <p:cNvPr id="73" name="PlaceHolder 1"/>
+          <p:cNvPr id="71" name="PlaceHolder 1"/>
           <p:cNvSpPr>
             <a:spLocks noGrp="1"/>
           </p:cNvSpPr>
@@ -1546,7 +1560,7 @@
         <p:spPr>
           <a:xfrm>
             <a:off x="457200" y="205920"/>
-            <a:ext cx="8229240" cy="857160"/>
+            <a:ext cx="8228880" cy="856800"/>
           </a:xfrm>
           <a:prstGeom prst="rect">
             <a:avLst/>
@@ -1555,13 +1569,14 @@
         <p:txBody>
           <a:bodyPr lIns="0" rIns="0" tIns="0" bIns="0" anchor="ctr"/>
           <a:p>
-            <a:endParaRPr/>
-          </a:p>
-        </p:txBody>
-      </p:sp>
-      <p:sp>
-        <p:nvSpPr>
-          <p:cNvPr id="74" name="PlaceHolder 2"/>
+            <a:pPr algn="ctr"/>
+            <a:endParaRPr/>
+          </a:p>
+        </p:txBody>
+      </p:sp>
+      <p:sp>
+        <p:nvSpPr>
+          <p:cNvPr id="72" name="PlaceHolder 2"/>
           <p:cNvSpPr>
             <a:spLocks noGrp="1"/>
           </p:cNvSpPr>
@@ -1572,7 +1587,7 @@
         <p:spPr>
           <a:xfrm>
             <a:off x="457200" y="1200240"/>
-            <a:ext cx="8229240" cy="3725280"/>
+            <a:ext cx="8228880" cy="3724920"/>
           </a:xfrm>
           <a:prstGeom prst="rect">
             <a:avLst/>
@@ -1587,7 +1602,7 @@
       </p:sp>
       <p:sp>
         <p:nvSpPr>
-          <p:cNvPr id="75" name="PlaceHolder 3"/>
+          <p:cNvPr id="73" name="PlaceHolder 3"/>
           <p:cNvSpPr>
             <a:spLocks noGrp="1"/>
           </p:cNvSpPr>
@@ -1598,7 +1613,7 @@
         <p:spPr>
           <a:xfrm>
             <a:off x="457200" y="1200240"/>
-            <a:ext cx="8229240" cy="3725280"/>
+            <a:ext cx="8228880" cy="3724920"/>
           </a:xfrm>
           <a:prstGeom prst="rect">
             <a:avLst/>
@@ -1613,7 +1628,7 @@
       </p:sp>
       <p:pic>
         <p:nvPicPr>
-          <p:cNvPr id="76" name="" descr=""/>
+          <p:cNvPr id="74" name="" descr=""/>
           <p:cNvPicPr/>
           <p:nvPr/>
         </p:nvPicPr>
@@ -1623,8 +1638,8 @@
         </p:blipFill>
         <p:spPr>
           <a:xfrm>
-            <a:off x="2237040" y="1200240"/>
-            <a:ext cx="4668840" cy="3725280"/>
+            <a:off x="2237400" y="1199880"/>
+            <a:ext cx="4668480" cy="3724920"/>
           </a:xfrm>
           <a:prstGeom prst="rect">
             <a:avLst/>
@@ -1636,7 +1651,7 @@
       </p:pic>
       <p:pic>
         <p:nvPicPr>
-          <p:cNvPr id="77" name="" descr=""/>
+          <p:cNvPr id="75" name="" descr=""/>
           <p:cNvPicPr/>
           <p:nvPr/>
         </p:nvPicPr>
@@ -1646,8 +1661,8 @@
         </p:blipFill>
         <p:spPr>
           <a:xfrm>
-            <a:off x="2237040" y="1200240"/>
-            <a:ext cx="4668840" cy="3725280"/>
+            <a:off x="2237400" y="1199880"/>
+            <a:ext cx="4668480" cy="3724920"/>
           </a:xfrm>
           <a:prstGeom prst="rect">
             <a:avLst/>
@@ -1681,7 +1696,7 @@
       </p:grpSpPr>
       <p:sp>
         <p:nvSpPr>
-          <p:cNvPr id="7" name="PlaceHolder 1"/>
+          <p:cNvPr id="6" name="PlaceHolder 1"/>
           <p:cNvSpPr>
             <a:spLocks noGrp="1"/>
           </p:cNvSpPr>
@@ -1692,7 +1707,7 @@
         <p:spPr>
           <a:xfrm>
             <a:off x="457200" y="205920"/>
-            <a:ext cx="8229240" cy="857160"/>
+            <a:ext cx="8228880" cy="856800"/>
           </a:xfrm>
           <a:prstGeom prst="rect">
             <a:avLst/>
@@ -1701,13 +1716,14 @@
         <p:txBody>
           <a:bodyPr lIns="0" rIns="0" tIns="0" bIns="0" anchor="ctr"/>
           <a:p>
-            <a:endParaRPr/>
-          </a:p>
-        </p:txBody>
-      </p:sp>
-      <p:sp>
-        <p:nvSpPr>
-          <p:cNvPr id="8" name="PlaceHolder 2"/>
+            <a:pPr algn="ctr"/>
+            <a:endParaRPr/>
+          </a:p>
+        </p:txBody>
+      </p:sp>
+      <p:sp>
+        <p:nvSpPr>
+          <p:cNvPr id="7" name="PlaceHolder 2"/>
           <p:cNvSpPr>
             <a:spLocks noGrp="1"/>
           </p:cNvSpPr>
@@ -1718,7 +1734,7 @@
         <p:spPr>
           <a:xfrm>
             <a:off x="457200" y="1200240"/>
-            <a:ext cx="8229240" cy="3725280"/>
+            <a:ext cx="8228880" cy="3724920"/>
           </a:xfrm>
           <a:prstGeom prst="rect">
             <a:avLst/>
@@ -1755,7 +1771,7 @@
       </p:grpSpPr>
       <p:sp>
         <p:nvSpPr>
-          <p:cNvPr id="9" name="PlaceHolder 1"/>
+          <p:cNvPr id="8" name="PlaceHolder 1"/>
           <p:cNvSpPr>
             <a:spLocks noGrp="1"/>
           </p:cNvSpPr>
@@ -1766,7 +1782,7 @@
         <p:spPr>
           <a:xfrm>
             <a:off x="457200" y="205920"/>
-            <a:ext cx="8229240" cy="857160"/>
+            <a:ext cx="8228880" cy="856800"/>
           </a:xfrm>
           <a:prstGeom prst="rect">
             <a:avLst/>
@@ -1775,13 +1791,14 @@
         <p:txBody>
           <a:bodyPr lIns="0" rIns="0" tIns="0" bIns="0" anchor="ctr"/>
           <a:p>
-            <a:endParaRPr/>
-          </a:p>
-        </p:txBody>
-      </p:sp>
-      <p:sp>
-        <p:nvSpPr>
-          <p:cNvPr id="10" name="PlaceHolder 2"/>
+            <a:pPr algn="ctr"/>
+            <a:endParaRPr/>
+          </a:p>
+        </p:txBody>
+      </p:sp>
+      <p:sp>
+        <p:nvSpPr>
+          <p:cNvPr id="9" name="PlaceHolder 2"/>
           <p:cNvSpPr>
             <a:spLocks noGrp="1"/>
           </p:cNvSpPr>
@@ -1792,7 +1809,7 @@
         <p:spPr>
           <a:xfrm>
             <a:off x="457200" y="1200240"/>
-            <a:ext cx="4015800" cy="3725280"/>
+            <a:ext cx="4015440" cy="3724920"/>
           </a:xfrm>
           <a:prstGeom prst="rect">
             <a:avLst/>
@@ -1807,7 +1824,7 @@
       </p:sp>
       <p:sp>
         <p:nvSpPr>
-          <p:cNvPr id="11" name="PlaceHolder 3"/>
+          <p:cNvPr id="10" name="PlaceHolder 3"/>
           <p:cNvSpPr>
             <a:spLocks noGrp="1"/>
           </p:cNvSpPr>
@@ -1817,8 +1834,8 @@
         </p:nvSpPr>
         <p:spPr>
           <a:xfrm>
-            <a:off x="4674240" y="1200240"/>
-            <a:ext cx="4015800" cy="3725280"/>
+            <a:off x="4673880" y="1200240"/>
+            <a:ext cx="4015440" cy="3724920"/>
           </a:xfrm>
           <a:prstGeom prst="rect">
             <a:avLst/>
@@ -1855,7 +1872,7 @@
       </p:grpSpPr>
       <p:sp>
         <p:nvSpPr>
-          <p:cNvPr id="12" name="PlaceHolder 1"/>
+          <p:cNvPr id="11" name="PlaceHolder 1"/>
           <p:cNvSpPr>
             <a:spLocks noGrp="1"/>
           </p:cNvSpPr>
@@ -1866,7 +1883,7 @@
         <p:spPr>
           <a:xfrm>
             <a:off x="457200" y="205920"/>
-            <a:ext cx="8229240" cy="857160"/>
+            <a:ext cx="8228880" cy="856800"/>
           </a:xfrm>
           <a:prstGeom prst="rect">
             <a:avLst/>
@@ -1875,6 +1892,7 @@
         <p:txBody>
           <a:bodyPr lIns="0" rIns="0" tIns="0" bIns="0" anchor="ctr"/>
           <a:p>
+            <a:pPr algn="ctr"/>
             <a:endParaRPr/>
           </a:p>
         </p:txBody>
@@ -1903,7 +1921,7 @@
       </p:grpSpPr>
       <p:sp>
         <p:nvSpPr>
-          <p:cNvPr id="13" name="PlaceHolder 1"/>
+          <p:cNvPr id="12" name="PlaceHolder 1"/>
           <p:cNvSpPr>
             <a:spLocks noGrp="1"/>
           </p:cNvSpPr>
@@ -1914,7 +1932,7 @@
         <p:spPr>
           <a:xfrm>
             <a:off x="457200" y="205920"/>
-            <a:ext cx="8229240" cy="3974760"/>
+            <a:ext cx="8228880" cy="3972960"/>
           </a:xfrm>
           <a:prstGeom prst="rect">
             <a:avLst/>
@@ -1952,7 +1970,7 @@
       </p:grpSpPr>
       <p:sp>
         <p:nvSpPr>
-          <p:cNvPr id="14" name="PlaceHolder 1"/>
+          <p:cNvPr id="13" name="PlaceHolder 1"/>
           <p:cNvSpPr>
             <a:spLocks noGrp="1"/>
           </p:cNvSpPr>
@@ -1963,7 +1981,7 @@
         <p:spPr>
           <a:xfrm>
             <a:off x="457200" y="205920"/>
-            <a:ext cx="8229240" cy="857160"/>
+            <a:ext cx="8228880" cy="856800"/>
           </a:xfrm>
           <a:prstGeom prst="rect">
             <a:avLst/>
@@ -1972,13 +1990,14 @@
         <p:txBody>
           <a:bodyPr lIns="0" rIns="0" tIns="0" bIns="0" anchor="ctr"/>
           <a:p>
-            <a:endParaRPr/>
-          </a:p>
-        </p:txBody>
-      </p:sp>
-      <p:sp>
-        <p:nvSpPr>
-          <p:cNvPr id="15" name="PlaceHolder 2"/>
+            <a:pPr algn="ctr"/>
+            <a:endParaRPr/>
+          </a:p>
+        </p:txBody>
+      </p:sp>
+      <p:sp>
+        <p:nvSpPr>
+          <p:cNvPr id="14" name="PlaceHolder 2"/>
           <p:cNvSpPr>
             <a:spLocks noGrp="1"/>
           </p:cNvSpPr>
@@ -1989,7 +2008,7 @@
         <p:spPr>
           <a:xfrm>
             <a:off x="457200" y="1200240"/>
-            <a:ext cx="4015800" cy="1776600"/>
+            <a:ext cx="4015440" cy="1776600"/>
           </a:xfrm>
           <a:prstGeom prst="rect">
             <a:avLst/>
@@ -2004,7 +2023,7 @@
       </p:sp>
       <p:sp>
         <p:nvSpPr>
-          <p:cNvPr id="16" name="PlaceHolder 3"/>
+          <p:cNvPr id="15" name="PlaceHolder 3"/>
           <p:cNvSpPr>
             <a:spLocks noGrp="1"/>
           </p:cNvSpPr>
@@ -2015,7 +2034,7 @@
         <p:spPr>
           <a:xfrm>
             <a:off x="457200" y="3146040"/>
-            <a:ext cx="4015800" cy="1776600"/>
+            <a:ext cx="4015440" cy="1776600"/>
           </a:xfrm>
           <a:prstGeom prst="rect">
             <a:avLst/>
@@ -2030,7 +2049,7 @@
       </p:sp>
       <p:sp>
         <p:nvSpPr>
-          <p:cNvPr id="17" name="PlaceHolder 4"/>
+          <p:cNvPr id="16" name="PlaceHolder 4"/>
           <p:cNvSpPr>
             <a:spLocks noGrp="1"/>
           </p:cNvSpPr>
@@ -2040,8 +2059,8 @@
         </p:nvSpPr>
         <p:spPr>
           <a:xfrm>
-            <a:off x="4674240" y="1200240"/>
-            <a:ext cx="4015800" cy="3725280"/>
+            <a:off x="4673880" y="1200240"/>
+            <a:ext cx="4015440" cy="3724920"/>
           </a:xfrm>
           <a:prstGeom prst="rect">
             <a:avLst/>
@@ -2078,7 +2097,7 @@
       </p:grpSpPr>
       <p:sp>
         <p:nvSpPr>
-          <p:cNvPr id="18" name="PlaceHolder 1"/>
+          <p:cNvPr id="17" name="PlaceHolder 1"/>
           <p:cNvSpPr>
             <a:spLocks noGrp="1"/>
           </p:cNvSpPr>
@@ -2089,7 +2108,7 @@
         <p:spPr>
           <a:xfrm>
             <a:off x="457200" y="205920"/>
-            <a:ext cx="8229240" cy="857160"/>
+            <a:ext cx="8228880" cy="856800"/>
           </a:xfrm>
           <a:prstGeom prst="rect">
             <a:avLst/>
@@ -2098,13 +2117,14 @@
         <p:txBody>
           <a:bodyPr lIns="0" rIns="0" tIns="0" bIns="0" anchor="ctr"/>
           <a:p>
-            <a:endParaRPr/>
-          </a:p>
-        </p:txBody>
-      </p:sp>
-      <p:sp>
-        <p:nvSpPr>
-          <p:cNvPr id="19" name="PlaceHolder 2"/>
+            <a:pPr algn="ctr"/>
+            <a:endParaRPr/>
+          </a:p>
+        </p:txBody>
+      </p:sp>
+      <p:sp>
+        <p:nvSpPr>
+          <p:cNvPr id="18" name="PlaceHolder 2"/>
           <p:cNvSpPr>
             <a:spLocks noGrp="1"/>
           </p:cNvSpPr>
@@ -2115,7 +2135,7 @@
         <p:spPr>
           <a:xfrm>
             <a:off x="457200" y="1200240"/>
-            <a:ext cx="4015800" cy="3725280"/>
+            <a:ext cx="4015440" cy="3724920"/>
           </a:xfrm>
           <a:prstGeom prst="rect">
             <a:avLst/>
@@ -2130,7 +2150,7 @@
       </p:sp>
       <p:sp>
         <p:nvSpPr>
-          <p:cNvPr id="20" name="PlaceHolder 3"/>
+          <p:cNvPr id="19" name="PlaceHolder 3"/>
           <p:cNvSpPr>
             <a:spLocks noGrp="1"/>
           </p:cNvSpPr>
@@ -2140,8 +2160,8 @@
         </p:nvSpPr>
         <p:spPr>
           <a:xfrm>
-            <a:off x="4674240" y="1200240"/>
-            <a:ext cx="4015800" cy="1776600"/>
+            <a:off x="4673880" y="1200240"/>
+            <a:ext cx="4015440" cy="1776600"/>
           </a:xfrm>
           <a:prstGeom prst="rect">
             <a:avLst/>
@@ -2156,7 +2176,7 @@
       </p:sp>
       <p:sp>
         <p:nvSpPr>
-          <p:cNvPr id="21" name="PlaceHolder 4"/>
+          <p:cNvPr id="20" name="PlaceHolder 4"/>
           <p:cNvSpPr>
             <a:spLocks noGrp="1"/>
           </p:cNvSpPr>
@@ -2166,8 +2186,8 @@
         </p:nvSpPr>
         <p:spPr>
           <a:xfrm>
-            <a:off x="4674240" y="3146040"/>
-            <a:ext cx="4015800" cy="1776600"/>
+            <a:off x="4673880" y="3146040"/>
+            <a:ext cx="4015440" cy="1776600"/>
           </a:xfrm>
           <a:prstGeom prst="rect">
             <a:avLst/>
@@ -2204,7 +2224,7 @@
       </p:grpSpPr>
       <p:sp>
         <p:nvSpPr>
-          <p:cNvPr id="22" name="PlaceHolder 1"/>
+          <p:cNvPr id="21" name="PlaceHolder 1"/>
           <p:cNvSpPr>
             <a:spLocks noGrp="1"/>
           </p:cNvSpPr>
@@ -2215,7 +2235,7 @@
         <p:spPr>
           <a:xfrm>
             <a:off x="457200" y="205920"/>
-            <a:ext cx="8229240" cy="857160"/>
+            <a:ext cx="8228880" cy="856800"/>
           </a:xfrm>
           <a:prstGeom prst="rect">
             <a:avLst/>
@@ -2224,13 +2244,14 @@
         <p:txBody>
           <a:bodyPr lIns="0" rIns="0" tIns="0" bIns="0" anchor="ctr"/>
           <a:p>
-            <a:endParaRPr/>
-          </a:p>
-        </p:txBody>
-      </p:sp>
-      <p:sp>
-        <p:nvSpPr>
-          <p:cNvPr id="23" name="PlaceHolder 2"/>
+            <a:pPr algn="ctr"/>
+            <a:endParaRPr/>
+          </a:p>
+        </p:txBody>
+      </p:sp>
+      <p:sp>
+        <p:nvSpPr>
+          <p:cNvPr id="22" name="PlaceHolder 2"/>
           <p:cNvSpPr>
             <a:spLocks noGrp="1"/>
           </p:cNvSpPr>
@@ -2241,7 +2262,7 @@
         <p:spPr>
           <a:xfrm>
             <a:off x="457200" y="1200240"/>
-            <a:ext cx="4015800" cy="1776600"/>
+            <a:ext cx="4015440" cy="1776600"/>
           </a:xfrm>
           <a:prstGeom prst="rect">
             <a:avLst/>
@@ -2256,7 +2277,7 @@
       </p:sp>
       <p:sp>
         <p:nvSpPr>
-          <p:cNvPr id="24" name="PlaceHolder 3"/>
+          <p:cNvPr id="23" name="PlaceHolder 3"/>
           <p:cNvSpPr>
             <a:spLocks noGrp="1"/>
           </p:cNvSpPr>
@@ -2266,8 +2287,8 @@
         </p:nvSpPr>
         <p:spPr>
           <a:xfrm>
-            <a:off x="4674240" y="1200240"/>
-            <a:ext cx="4015800" cy="1776600"/>
+            <a:off x="4673880" y="1200240"/>
+            <a:ext cx="4015440" cy="1776600"/>
           </a:xfrm>
           <a:prstGeom prst="rect">
             <a:avLst/>
@@ -2282,7 +2303,7 @@
       </p:sp>
       <p:sp>
         <p:nvSpPr>
-          <p:cNvPr id="25" name="PlaceHolder 4"/>
+          <p:cNvPr id="24" name="PlaceHolder 4"/>
           <p:cNvSpPr>
             <a:spLocks noGrp="1"/>
           </p:cNvSpPr>
@@ -2293,7 +2314,7 @@
         <p:spPr>
           <a:xfrm>
             <a:off x="457200" y="3146040"/>
-            <a:ext cx="8229240" cy="1776600"/>
+            <a:ext cx="8228880" cy="1776600"/>
           </a:xfrm>
           <a:prstGeom prst="rect">
             <a:avLst/>
@@ -2344,7 +2365,7 @@
         <p:spPr>
           <a:xfrm>
             <a:off x="0" y="2914560"/>
-            <a:ext cx="9143640" cy="2228760"/>
+            <a:ext cx="9143280" cy="2228400"/>
           </a:xfrm>
           <a:prstGeom prst="rect">
             <a:avLst/>
@@ -2372,7 +2393,7 @@
         <p:spPr>
           <a:xfrm>
             <a:off x="0" y="2914560"/>
-            <a:ext cx="9143640" cy="360"/>
+            <a:ext cx="9143280" cy="360"/>
           </a:xfrm>
           <a:prstGeom prst="straightConnector1">
             <a:avLst/>
@@ -2404,18 +2425,18 @@
         </p:nvSpPr>
         <p:spPr>
           <a:xfrm>
-            <a:off x="685800" y="1618200"/>
-            <a:ext cx="7772040" cy="1237680"/>
-          </a:xfrm>
-          <a:prstGeom prst="rect">
-            <a:avLst/>
-          </a:prstGeom>
-        </p:spPr>
-        <p:txBody>
-          <a:bodyPr tIns="91440" bIns="91440" anchor="b"/>
+            <a:off x="457200" y="205920"/>
+            <a:ext cx="8228880" cy="856800"/>
+          </a:xfrm>
+          <a:prstGeom prst="rect">
+            <a:avLst/>
+          </a:prstGeom>
+        </p:spPr>
+        <p:txBody>
+          <a:bodyPr lIns="0" rIns="0" tIns="0" bIns="0" anchor="ctr"/>
           <a:p>
             <a:r>
-              <a:rPr lang="en-US" sz="4800">
+              <a:rPr lang="en-US">
                 <a:latin typeface="Arial"/>
               </a:rPr>
               <a:t>Click to edit the title text format</a:t>
@@ -2427,47 +2448,6 @@
       <p:sp>
         <p:nvSpPr>
           <p:cNvPr id="3" name="PlaceHolder 4"/>
-          <p:cNvSpPr>
-            <a:spLocks noGrp="1"/>
-          </p:cNvSpPr>
-          <p:nvPr>
-            <p:ph type="sldNum"/>
-          </p:nvPr>
-        </p:nvSpPr>
-        <p:spPr>
-          <a:xfrm>
-            <a:off x="8556840" y="4749840"/>
-            <a:ext cx="548280" cy="393120"/>
-          </a:xfrm>
-          <a:prstGeom prst="rect">
-            <a:avLst/>
-          </a:prstGeom>
-        </p:spPr>
-        <p:txBody>
-          <a:bodyPr tIns="91440" bIns="91440" anchor="ctr"/>
-          <a:p>
-            <a:pPr>
-              <a:lnSpc>
-                <a:spcPct val="100000"/>
-              </a:lnSpc>
-            </a:pPr>
-            <a:fld id="{343B5913-1CD7-4225-A934-010023B67D8B}" type="slidenum">
-              <a:rPr lang="en-US" sz="1300" strike="noStrike">
-                <a:solidFill>
-                  <a:srgbClr val="e6d6bd"/>
-                </a:solidFill>
-                <a:latin typeface="Trebuchet MS"/>
-                <a:ea typeface="Trebuchet MS"/>
-              </a:rPr>
-              <a:t>&lt;number&gt;</a:t>
-            </a:fld>
-            <a:endParaRPr/>
-          </a:p>
-        </p:txBody>
-      </p:sp>
-      <p:sp>
-        <p:nvSpPr>
-          <p:cNvPr id="4" name="PlaceHolder 5"/>
           <p:cNvSpPr>
             <a:spLocks noGrp="1"/>
           </p:cNvSpPr>
@@ -2493,7 +2473,7 @@
               <a:buChar char=""/>
             </a:pPr>
             <a:r>
-              <a:rPr lang="en-US" sz="1400">
+              <a:rPr lang="en-US" sz="3200">
                 <a:latin typeface="Arial"/>
               </a:rPr>
               <a:t>Click to edit the outline text format</a:t>
@@ -2507,7 +2487,7 @@
               <a:buChar char=""/>
             </a:pPr>
             <a:r>
-              <a:rPr lang="en-US" sz="1400">
+              <a:rPr lang="en-US" sz="2800">
                 <a:latin typeface="Arial"/>
               </a:rPr>
               <a:t>Second Outline Level</a:t>
@@ -2521,7 +2501,7 @@
               <a:buChar char=""/>
             </a:pPr>
             <a:r>
-              <a:rPr lang="en-US" sz="1400">
+              <a:rPr lang="en-US" sz="2400">
                 <a:latin typeface="Arial"/>
               </a:rPr>
               <a:t>Third Outline Level</a:t>
@@ -2535,7 +2515,7 @@
               <a:buChar char=""/>
             </a:pPr>
             <a:r>
-              <a:rPr lang="en-US" sz="1400">
+              <a:rPr lang="en-US" sz="2000">
                 <a:latin typeface="Arial"/>
               </a:rPr>
               <a:t>Fourth Outline Level</a:t>
@@ -2632,14 +2612,14 @@
       </p:grpSpPr>
       <p:sp>
         <p:nvSpPr>
-          <p:cNvPr id="39" name="CustomShape 1"/>
+          <p:cNvPr id="38" name="CustomShape 1"/>
           <p:cNvSpPr/>
           <p:nvPr/>
         </p:nvSpPr>
         <p:spPr>
           <a:xfrm>
             <a:off x="0" y="0"/>
-            <a:ext cx="9143640" cy="1127520"/>
+            <a:ext cx="9143280" cy="1127160"/>
           </a:xfrm>
           <a:prstGeom prst="rect">
             <a:avLst/>
@@ -2660,14 +2640,14 @@
       </p:sp>
       <p:sp>
         <p:nvSpPr>
-          <p:cNvPr id="40" name="CustomShape 2"/>
+          <p:cNvPr id="39" name="CustomShape 2"/>
           <p:cNvSpPr/>
           <p:nvPr/>
         </p:nvSpPr>
         <p:spPr>
           <a:xfrm>
             <a:off x="0" y="1127520"/>
-            <a:ext cx="9143640" cy="360"/>
+            <a:ext cx="9143280" cy="360"/>
           </a:xfrm>
           <a:prstGeom prst="straightConnector1">
             <a:avLst/>
@@ -2689,7 +2669,7 @@
       </p:sp>
       <p:sp>
         <p:nvSpPr>
-          <p:cNvPr id="41" name="PlaceHolder 3"/>
+          <p:cNvPr id="40" name="PlaceHolder 3"/>
           <p:cNvSpPr>
             <a:spLocks noGrp="1"/>
           </p:cNvSpPr>
@@ -2700,17 +2680,17 @@
         <p:spPr>
           <a:xfrm>
             <a:off x="457200" y="205920"/>
-            <a:ext cx="8229240" cy="857160"/>
-          </a:xfrm>
-          <a:prstGeom prst="rect">
-            <a:avLst/>
-          </a:prstGeom>
-        </p:spPr>
-        <p:txBody>
-          <a:bodyPr tIns="91440" bIns="91440" anchor="b"/>
+            <a:ext cx="8228880" cy="856800"/>
+          </a:xfrm>
+          <a:prstGeom prst="rect">
+            <a:avLst/>
+          </a:prstGeom>
+        </p:spPr>
+        <p:txBody>
+          <a:bodyPr lIns="0" rIns="0" tIns="0" bIns="0" anchor="ctr"/>
           <a:p>
             <a:r>
-              <a:rPr lang="en-US" sz="3600">
+              <a:rPr lang="en-US">
                 <a:latin typeface="Arial"/>
               </a:rPr>
               <a:t>Click to edit the title text format</a:t>
@@ -2721,7 +2701,7 @@
       </p:sp>
       <p:sp>
         <p:nvSpPr>
-          <p:cNvPr id="42" name="PlaceHolder 4"/>
+          <p:cNvPr id="41" name="PlaceHolder 4"/>
           <p:cNvSpPr>
             <a:spLocks noGrp="1"/>
           </p:cNvSpPr>
@@ -2732,14 +2712,14 @@
         <p:spPr>
           <a:xfrm>
             <a:off x="457200" y="1200240"/>
-            <a:ext cx="8229240" cy="3725280"/>
-          </a:xfrm>
-          <a:prstGeom prst="rect">
-            <a:avLst/>
-          </a:prstGeom>
-        </p:spPr>
-        <p:txBody>
-          <a:bodyPr tIns="91440" bIns="91440"/>
+            <a:ext cx="8228880" cy="3724920"/>
+          </a:xfrm>
+          <a:prstGeom prst="rect">
+            <a:avLst/>
+          </a:prstGeom>
+        </p:spPr>
+        <p:txBody>
+          <a:bodyPr lIns="0" rIns="0" tIns="0" bIns="0"/>
           <a:p>
             <a:pPr>
               <a:buSzPct val="45000"/>
@@ -2747,7 +2727,7 @@
               <a:buChar char=""/>
             </a:pPr>
             <a:r>
-              <a:rPr lang="en-US" sz="3000">
+              <a:rPr lang="en-US">
                 <a:latin typeface="Arial"/>
               </a:rPr>
               <a:t>Click to edit the outline text format</a:t>
@@ -2761,7 +2741,7 @@
               <a:buChar char=""/>
             </a:pPr>
             <a:r>
-              <a:rPr lang="en-US" sz="3000">
+              <a:rPr lang="en-US">
                 <a:latin typeface="Arial"/>
               </a:rPr>
               <a:t>Second Outline Level</a:t>
@@ -2775,7 +2755,7 @@
               <a:buChar char=""/>
             </a:pPr>
             <a:r>
-              <a:rPr lang="en-US" sz="3000">
+              <a:rPr lang="en-US">
                 <a:latin typeface="Arial"/>
               </a:rPr>
               <a:t>Third Outline Level</a:t>
@@ -2789,7 +2769,7 @@
               <a:buChar char=""/>
             </a:pPr>
             <a:r>
-              <a:rPr lang="en-US" sz="3000">
+              <a:rPr lang="en-US">
                 <a:latin typeface="Arial"/>
               </a:rPr>
               <a:t>Fourth Outline Level</a:t>
@@ -2803,7 +2783,7 @@
               <a:buChar char=""/>
             </a:pPr>
             <a:r>
-              <a:rPr lang="en-US" sz="3000">
+              <a:rPr lang="en-US">
                 <a:latin typeface="Arial"/>
               </a:rPr>
               <a:t>Fifth Outline Level</a:t>
@@ -2817,7 +2797,7 @@
               <a:buChar char=""/>
             </a:pPr>
             <a:r>
-              <a:rPr lang="en-US" sz="3000">
+              <a:rPr lang="en-US">
                 <a:latin typeface="Arial"/>
               </a:rPr>
               <a:t>Sixth Outline Level</a:t>
@@ -2831,52 +2811,11 @@
               <a:buChar char=""/>
             </a:pPr>
             <a:r>
-              <a:rPr lang="en-US" sz="3000">
+              <a:rPr lang="en-US">
                 <a:latin typeface="Arial"/>
               </a:rPr>
               <a:t>Seventh Outline Level</a:t>
             </a:r>
-            <a:endParaRPr/>
-          </a:p>
-        </p:txBody>
-      </p:sp>
-      <p:sp>
-        <p:nvSpPr>
-          <p:cNvPr id="43" name="PlaceHolder 5"/>
-          <p:cNvSpPr>
-            <a:spLocks noGrp="1"/>
-          </p:cNvSpPr>
-          <p:nvPr>
-            <p:ph type="sldNum"/>
-          </p:nvPr>
-        </p:nvSpPr>
-        <p:spPr>
-          <a:xfrm>
-            <a:off x="8556840" y="4749840"/>
-            <a:ext cx="548280" cy="393120"/>
-          </a:xfrm>
-          <a:prstGeom prst="rect">
-            <a:avLst/>
-          </a:prstGeom>
-        </p:spPr>
-        <p:txBody>
-          <a:bodyPr tIns="91440" bIns="91440" anchor="ctr"/>
-          <a:p>
-            <a:pPr>
-              <a:lnSpc>
-                <a:spcPct val="100000"/>
-              </a:lnSpc>
-            </a:pPr>
-            <a:fld id="{939A8990-153A-4456-A239-B97D327FD60E}" type="slidenum">
-              <a:rPr lang="en-US" sz="1300" strike="noStrike">
-                <a:solidFill>
-                  <a:srgbClr val="535353"/>
-                </a:solidFill>
-                <a:latin typeface="Trebuchet MS"/>
-                <a:ea typeface="Trebuchet MS"/>
-              </a:rPr>
-              <a:t>&lt;number&gt;</a:t>
-            </a:fld>
             <a:endParaRPr/>
           </a:p>
         </p:txBody>
@@ -2920,14 +2859,14 @@
       </p:grpSpPr>
       <p:sp>
         <p:nvSpPr>
-          <p:cNvPr id="78" name="TextShape 1"/>
-          <p:cNvSpPr txBox="1"/>
+          <p:cNvPr id="76" name="CustomShape 1"/>
+          <p:cNvSpPr/>
           <p:nvPr/>
         </p:nvSpPr>
         <p:spPr>
           <a:xfrm>
             <a:off x="685800" y="1618200"/>
-            <a:ext cx="7772040" cy="1237680"/>
+            <a:ext cx="7771680" cy="1237320"/>
           </a:xfrm>
           <a:prstGeom prst="rect">
             <a:avLst/>
@@ -2937,8 +2876,14 @@
             <a:noFill/>
           </a:ln>
         </p:spPr>
-        <p:txBody>
-          <a:bodyPr tIns="91440" bIns="91440" anchor="b"/>
+        <p:style>
+          <a:lnRef idx="0"/>
+          <a:fillRef idx="0"/>
+          <a:effectRef idx="0"/>
+          <a:fontRef idx="minor"/>
+        </p:style>
+        <p:txBody>
+          <a:bodyPr lIns="90000" rIns="90000" tIns="91440" bIns="91440" anchor="b"/>
           <a:p>
             <a:pPr>
               <a:lnSpc>
@@ -2961,14 +2906,14 @@
       </p:sp>
       <p:sp>
         <p:nvSpPr>
-          <p:cNvPr id="79" name="TextShape 2"/>
-          <p:cNvSpPr txBox="1"/>
+          <p:cNvPr id="77" name="CustomShape 2"/>
+          <p:cNvSpPr/>
           <p:nvPr/>
         </p:nvSpPr>
         <p:spPr>
           <a:xfrm>
             <a:off x="685800" y="2964600"/>
-            <a:ext cx="7772040" cy="944280"/>
+            <a:ext cx="7771680" cy="943920"/>
           </a:xfrm>
           <a:prstGeom prst="rect">
             <a:avLst/>
@@ -2978,8 +2923,14 @@
             <a:noFill/>
           </a:ln>
         </p:spPr>
-        <p:txBody>
-          <a:bodyPr tIns="91440" bIns="91440"/>
+        <p:style>
+          <a:lnRef idx="0"/>
+          <a:fillRef idx="0"/>
+          <a:effectRef idx="0"/>
+          <a:fontRef idx="minor"/>
+        </p:style>
+        <p:txBody>
+          <a:bodyPr lIns="90000" rIns="90000" tIns="91440" bIns="91440"/>
           <a:p>
             <a:pPr>
               <a:lnSpc>
@@ -3087,14 +3038,14 @@
       </p:grpSpPr>
       <p:sp>
         <p:nvSpPr>
-          <p:cNvPr id="97" name="TextShape 1"/>
-          <p:cNvSpPr txBox="1"/>
+          <p:cNvPr id="95" name="CustomShape 1"/>
+          <p:cNvSpPr/>
           <p:nvPr/>
         </p:nvSpPr>
         <p:spPr>
           <a:xfrm>
             <a:off x="457200" y="205920"/>
-            <a:ext cx="8229240" cy="857160"/>
+            <a:ext cx="8228880" cy="856800"/>
           </a:xfrm>
           <a:prstGeom prst="rect">
             <a:avLst/>
@@ -3104,36 +3055,15 @@
             <a:noFill/>
           </a:ln>
         </p:spPr>
-        <p:txBody>
-          <a:bodyPr tIns="91440" bIns="91440" anchor="b"/>
-          <a:p>
-            <a:pPr>
-              <a:lnSpc>
-                <a:spcPct val="100000"/>
-              </a:lnSpc>
-            </a:pPr>
-            <a:r>
-              <a:rPr b="1" lang="en-US" sz="3600" strike="noStrike">
-                <a:solidFill>
-                  <a:srgbClr val="e6d6bd"/>
-                </a:solidFill>
-                <a:latin typeface="Trebuchet MS"/>
-                <a:ea typeface="Trebuchet MS"/>
-              </a:rPr>
-              <a:t>
-</a:t>
-            </a:r>
-            <a:r>
-              <a:rPr b="1" lang="en-US" sz="3600" strike="noStrike">
-                <a:solidFill>
-                  <a:srgbClr val="e6d6bd"/>
-                </a:solidFill>
-                <a:latin typeface="Trebuchet MS"/>
-                <a:ea typeface="Trebuchet MS"/>
-              </a:rPr>
-              <a:t>
-</a:t>
-            </a:r>
+        <p:style>
+          <a:lnRef idx="0"/>
+          <a:fillRef idx="0"/>
+          <a:effectRef idx="0"/>
+          <a:fontRef idx="minor"/>
+        </p:style>
+        <p:txBody>
+          <a:bodyPr lIns="90000" rIns="90000" tIns="91440" bIns="91440" anchor="b"/>
+          <a:p>
             <a:r>
               <a:rPr b="1" lang="en-US" sz="3200" strike="noStrike">
                 <a:solidFill>
@@ -3142,7 +3072,7 @@
                 <a:latin typeface="Trebuchet MS"/>
                 <a:ea typeface="Trebuchet MS"/>
               </a:rPr>
-              <a:t>Future additions?</a:t>
+              <a:t>Other Issues</a:t>
             </a:r>
             <a:endParaRPr/>
           </a:p>
@@ -3150,14 +3080,14 @@
       </p:sp>
       <p:sp>
         <p:nvSpPr>
-          <p:cNvPr id="98" name="TextShape 2"/>
-          <p:cNvSpPr txBox="1"/>
+          <p:cNvPr id="96" name="CustomShape 2"/>
+          <p:cNvSpPr/>
           <p:nvPr/>
         </p:nvSpPr>
         <p:spPr>
           <a:xfrm>
-            <a:off x="365760" y="1371600"/>
-            <a:ext cx="8229240" cy="3099600"/>
+            <a:off x="274320" y="1097280"/>
+            <a:ext cx="8228880" cy="3099240"/>
           </a:xfrm>
           <a:prstGeom prst="rect">
             <a:avLst/>
@@ -3167,8 +3097,14 @@
             <a:noFill/>
           </a:ln>
         </p:spPr>
-        <p:txBody>
-          <a:bodyPr tIns="91440" bIns="91440"/>
+        <p:style>
+          <a:lnRef idx="0"/>
+          <a:fillRef idx="0"/>
+          <a:effectRef idx="0"/>
+          <a:fontRef idx="minor"/>
+        </p:style>
+        <p:txBody>
+          <a:bodyPr lIns="90000" rIns="90000" tIns="91440" bIns="91440"/>
           <a:p>
             <a:pPr>
               <a:lnSpc>
@@ -3183,7 +3119,7 @@
                 <a:latin typeface="Trebuchet MS"/>
                 <a:ea typeface="Trebuchet MS"/>
               </a:rPr>
-              <a:t>Desktop App with hotword listener useful for linux.</a:t>
+              <a:t>Running android activity from Cordova(javascript) – bug in new release of cordova.</a:t>
             </a:r>
             <a:endParaRPr/>
           </a:p>
@@ -3201,7 +3137,7 @@
                 <a:latin typeface="Trebuchet MS"/>
                 <a:ea typeface="Trebuchet MS"/>
               </a:rPr>
-              <a:t>Machine learning</a:t>
+              <a:t>An Api was used earlier. Didn't allow for user separation for commands.</a:t>
             </a:r>
             <a:endParaRPr/>
           </a:p>
@@ -3258,14 +3194,14 @@
       </p:grpSpPr>
       <p:sp>
         <p:nvSpPr>
-          <p:cNvPr id="99" name="TextShape 1"/>
-          <p:cNvSpPr txBox="1"/>
+          <p:cNvPr id="97" name="CustomShape 1"/>
+          <p:cNvSpPr/>
           <p:nvPr/>
         </p:nvSpPr>
         <p:spPr>
           <a:xfrm>
             <a:off x="457200" y="205920"/>
-            <a:ext cx="8229240" cy="857160"/>
+            <a:ext cx="8228880" cy="856800"/>
           </a:xfrm>
           <a:prstGeom prst="rect">
             <a:avLst/>
@@ -3275,23 +3211,50 @@
             <a:noFill/>
           </a:ln>
         </p:spPr>
-        <p:txBody>
-          <a:bodyPr lIns="0" rIns="0" tIns="0" bIns="0" anchor="ctr"/>
-          <a:p>
-            <a:endParaRPr/>
-          </a:p>
-        </p:txBody>
-      </p:sp>
-      <p:sp>
-        <p:nvSpPr>
-          <p:cNvPr id="100" name="TextShape 2"/>
-          <p:cNvSpPr txBox="1"/>
+        <p:style>
+          <a:lnRef idx="0"/>
+          <a:fillRef idx="0"/>
+          <a:effectRef idx="0"/>
+          <a:fontRef idx="minor"/>
+        </p:style>
+        <p:txBody>
+          <a:bodyPr lIns="90000" rIns="90000" tIns="91440" bIns="91440" anchor="b"/>
+          <a:p>
+            <a:endParaRPr/>
+          </a:p>
+          <a:p>
+            <a:endParaRPr/>
+          </a:p>
+          <a:p>
+            <a:pPr>
+              <a:lnSpc>
+                <a:spcPct val="100000"/>
+              </a:lnSpc>
+            </a:pPr>
+            <a:r>
+              <a:rPr b="1" lang="en-US" sz="3200" strike="noStrike">
+                <a:solidFill>
+                  <a:srgbClr val="e6d6bd"/>
+                </a:solidFill>
+                <a:latin typeface="Trebuchet MS"/>
+                <a:ea typeface="Trebuchet MS"/>
+              </a:rPr>
+              <a:t>Future additions?</a:t>
+            </a:r>
+            <a:endParaRPr/>
+          </a:p>
+        </p:txBody>
+      </p:sp>
+      <p:sp>
+        <p:nvSpPr>
+          <p:cNvPr id="98" name="CustomShape 2"/>
+          <p:cNvSpPr/>
           <p:nvPr/>
         </p:nvSpPr>
         <p:spPr>
           <a:xfrm>
-            <a:off x="457200" y="1200240"/>
-            <a:ext cx="8229240" cy="3725280"/>
+            <a:off x="365760" y="1371600"/>
+            <a:ext cx="8228880" cy="3099240"/>
           </a:xfrm>
           <a:prstGeom prst="rect">
             <a:avLst/>
@@ -3301,12 +3264,170 @@
             <a:noFill/>
           </a:ln>
         </p:spPr>
-        <p:txBody>
-          <a:bodyPr lIns="0" rIns="0" tIns="0" bIns="0"/>
-          <a:p>
-            <a:endParaRPr/>
-          </a:p>
-        </p:txBody>
+        <p:style>
+          <a:lnRef idx="0"/>
+          <a:fillRef idx="0"/>
+          <a:effectRef idx="0"/>
+          <a:fontRef idx="minor"/>
+        </p:style>
+        <p:txBody>
+          <a:bodyPr lIns="90000" rIns="90000" tIns="91440" bIns="91440"/>
+          <a:p>
+            <a:pPr>
+              <a:lnSpc>
+                <a:spcPct val="200000"/>
+              </a:lnSpc>
+            </a:pPr>
+            <a:r>
+              <a:rPr lang="en-US" sz="2800" strike="noStrike">
+                <a:solidFill>
+                  <a:srgbClr val="535353"/>
+                </a:solidFill>
+                <a:latin typeface="Trebuchet MS"/>
+                <a:ea typeface="Trebuchet MS"/>
+              </a:rPr>
+              <a:t>User login to localize commands</a:t>
+            </a:r>
+            <a:endParaRPr/>
+          </a:p>
+          <a:p>
+            <a:pPr>
+              <a:lnSpc>
+                <a:spcPct val="200000"/>
+              </a:lnSpc>
+            </a:pPr>
+            <a:r>
+              <a:rPr lang="en-US" sz="2800" strike="noStrike">
+                <a:solidFill>
+                  <a:srgbClr val="535353"/>
+                </a:solidFill>
+                <a:latin typeface="Trebuchet MS"/>
+                <a:ea typeface="Trebuchet MS"/>
+              </a:rPr>
+              <a:t>Desktop App with hotword listener. Useful for linux.</a:t>
+            </a:r>
+            <a:endParaRPr/>
+          </a:p>
+          <a:p>
+            <a:pPr>
+              <a:lnSpc>
+                <a:spcPct val="200000"/>
+              </a:lnSpc>
+            </a:pPr>
+            <a:r>
+              <a:rPr lang="en-US" sz="2800" strike="noStrike">
+                <a:solidFill>
+                  <a:srgbClr val="535353"/>
+                </a:solidFill>
+                <a:latin typeface="Trebuchet MS"/>
+                <a:ea typeface="Trebuchet MS"/>
+              </a:rPr>
+              <a:t>Machine learning</a:t>
+            </a:r>
+            <a:endParaRPr/>
+          </a:p>
+        </p:txBody>
+      </p:sp>
+    </p:spTree>
+  </p:cSld>
+  <p:timing>
+    <p:tnLst>
+      <p:par>
+        <p:cTn id="21" dur="indefinite" restart="never" nodeType="tmRoot">
+          <p:childTnLst>
+            <p:seq>
+              <p:cTn id="22" nodeType="mainSeq"/>
+              <p:prevCondLst>
+                <p:cond delay="0" evt="onPrev">
+                  <p:tgtEl>
+                    <p:sldTgt/>
+                  </p:tgtEl>
+                </p:cond>
+              </p:prevCondLst>
+              <p:nextCondLst>
+                <p:cond delay="0" evt="onNext">
+                  <p:tgtEl>
+                    <p:sldTgt/>
+                  </p:tgtEl>
+                </p:cond>
+              </p:nextCondLst>
+            </p:seq>
+          </p:childTnLst>
+        </p:cTn>
+      </p:par>
+    </p:tnLst>
+  </p:timing>
+</p:sld>
+</file>
+
+<file path=ppt/slides/slide12.xml><?xml version="1.0" encoding="utf-8"?>
+<p:sld xmlns:a="http://schemas.openxmlformats.org/drawingml/2006/main" xmlns:p="http://schemas.openxmlformats.org/presentationml/2006/main" xmlns:r="http://schemas.openxmlformats.org/officeDocument/2006/relationships">
+  <p:cSld>
+    <p:spTree>
+      <p:nvGrpSpPr>
+        <p:cNvPr id="1" name=""/>
+        <p:cNvGrpSpPr/>
+        <p:nvPr/>
+      </p:nvGrpSpPr>
+      <p:grpSpPr>
+        <a:xfrm>
+          <a:off x="0" y="0"/>
+          <a:ext cx="0" cy="0"/>
+          <a:chOff x="0" y="0"/>
+          <a:chExt cx="0" cy="0"/>
+        </a:xfrm>
+      </p:grpSpPr>
+      <p:sp>
+        <p:nvSpPr>
+          <p:cNvPr id="99" name="CustomShape 1"/>
+          <p:cNvSpPr/>
+          <p:nvPr/>
+        </p:nvSpPr>
+        <p:spPr>
+          <a:xfrm>
+            <a:off x="457200" y="205920"/>
+            <a:ext cx="8228880" cy="856800"/>
+          </a:xfrm>
+          <a:prstGeom prst="rect">
+            <a:avLst/>
+          </a:prstGeom>
+          <a:noFill/>
+          <a:ln>
+            <a:noFill/>
+          </a:ln>
+        </p:spPr>
+        <p:style>
+          <a:lnRef idx="0"/>
+          <a:fillRef idx="0"/>
+          <a:effectRef idx="0"/>
+          <a:fontRef idx="minor"/>
+        </p:style>
+      </p:sp>
+      <p:sp>
+        <p:nvSpPr>
+          <p:cNvPr id="100" name="CustomShape 2"/>
+          <p:cNvSpPr/>
+          <p:nvPr/>
+        </p:nvSpPr>
+        <p:spPr>
+          <a:xfrm>
+            <a:off x="457200" y="1200240"/>
+            <a:ext cx="8228880" cy="3724920"/>
+          </a:xfrm>
+          <a:prstGeom prst="rect">
+            <a:avLst/>
+          </a:prstGeom>
+          <a:noFill/>
+          <a:ln>
+            <a:noFill/>
+          </a:ln>
+        </p:spPr>
+        <p:style>
+          <a:lnRef idx="0"/>
+          <a:fillRef idx="0"/>
+          <a:effectRef idx="0"/>
+          <a:fontRef idx="minor"/>
+        </p:style>
       </p:sp>
       <p:pic>
         <p:nvPicPr>
@@ -3320,8 +3441,8 @@
         </p:blipFill>
         <p:spPr>
           <a:xfrm>
-            <a:off x="0" y="0"/>
-            <a:ext cx="9144000" cy="5143680"/>
+            <a:off x="91440" y="-68400"/>
+            <a:ext cx="8595360" cy="5212080"/>
           </a:xfrm>
           <a:prstGeom prst="rect">
             <a:avLst/>
@@ -3336,10 +3457,10 @@
   <p:timing>
     <p:tnLst>
       <p:par>
-        <p:cTn id="21" dur="indefinite" restart="never" nodeType="tmRoot">
+        <p:cTn id="23" dur="indefinite" restart="never" nodeType="tmRoot">
           <p:childTnLst>
             <p:seq>
-              <p:cTn id="22" nodeType="mainSeq"/>
+              <p:cTn id="24" nodeType="mainSeq"/>
               <p:prevCondLst>
                 <p:cond delay="0" evt="onPrev">
                   <p:tgtEl>
@@ -3382,14 +3503,14 @@
       </p:grpSpPr>
       <p:sp>
         <p:nvSpPr>
-          <p:cNvPr id="80" name="TextShape 1"/>
-          <p:cNvSpPr txBox="1"/>
+          <p:cNvPr id="78" name="CustomShape 1"/>
+          <p:cNvSpPr/>
           <p:nvPr/>
         </p:nvSpPr>
         <p:spPr>
           <a:xfrm>
             <a:off x="457200" y="205920"/>
-            <a:ext cx="8229240" cy="857160"/>
+            <a:ext cx="8228880" cy="856800"/>
           </a:xfrm>
           <a:prstGeom prst="rect">
             <a:avLst/>
@@ -3399,8 +3520,14 @@
             <a:noFill/>
           </a:ln>
         </p:spPr>
-        <p:txBody>
-          <a:bodyPr tIns="91440" bIns="91440" anchor="b"/>
+        <p:style>
+          <a:lnRef idx="0"/>
+          <a:fillRef idx="0"/>
+          <a:effectRef idx="0"/>
+          <a:fontRef idx="minor"/>
+        </p:style>
+        <p:txBody>
+          <a:bodyPr lIns="90000" rIns="90000" tIns="91440" bIns="91440" anchor="b"/>
           <a:p>
             <a:pPr>
               <a:lnSpc>
@@ -3415,35 +3542,61 @@
                 <a:latin typeface="Trebuchet MS"/>
                 <a:ea typeface="Trebuchet MS"/>
               </a:rPr>
-              <a:t>Demo</a:t>
+              <a:t>Objective</a:t>
             </a:r>
             <a:endParaRPr/>
           </a:p>
         </p:txBody>
       </p:sp>
-      <p:pic>
-        <p:nvPicPr>
-          <p:cNvPr id="81" name="Shape 72" descr=""/>
-          <p:cNvPicPr/>
+      <p:sp>
+        <p:nvSpPr>
+          <p:cNvPr id="79" name="CustomShape 2"/>
+          <p:cNvSpPr/>
           <p:nvPr/>
-        </p:nvPicPr>
-        <p:blipFill>
-          <a:blip r:embed="rId1"/>
-          <a:stretch/>
-        </p:blipFill>
-        <p:spPr>
-          <a:xfrm>
-            <a:off x="762120" y="1276200"/>
-            <a:ext cx="7323480" cy="3650040"/>
-          </a:xfrm>
-          <a:prstGeom prst="rect">
-            <a:avLst/>
-          </a:prstGeom>
+        </p:nvSpPr>
+        <p:spPr>
+          <a:xfrm>
+            <a:off x="457200" y="1585080"/>
+            <a:ext cx="8228880" cy="3340080"/>
+          </a:xfrm>
+          <a:prstGeom prst="rect">
+            <a:avLst/>
+          </a:prstGeom>
+          <a:noFill/>
           <a:ln>
             <a:noFill/>
           </a:ln>
         </p:spPr>
-      </p:pic>
+        <p:style>
+          <a:lnRef idx="0"/>
+          <a:fillRef idx="0"/>
+          <a:effectRef idx="0"/>
+          <a:fontRef idx="minor"/>
+        </p:style>
+        <p:txBody>
+          <a:bodyPr lIns="90000" rIns="90000" tIns="91440" bIns="91440"/>
+          <a:p>
+            <a:pPr>
+              <a:lnSpc>
+                <a:spcPct val="150000"/>
+              </a:lnSpc>
+              <a:buFont typeface="Arial"/>
+              <a:buChar char="●"/>
+            </a:pPr>
+            <a:r>
+              <a:rPr lang="en-US" sz="3000" strike="noStrike">
+                <a:solidFill>
+                  <a:srgbClr val="535353"/>
+                </a:solidFill>
+                <a:latin typeface="Trebuchet MS"/>
+                <a:ea typeface="Trebuchet MS"/>
+              </a:rPr>
+              <a:t>Create “yet another” an android mobile application as well as a web service that allows you to create personalized voice commands for your own tasks</a:t>
+            </a:r>
+            <a:endParaRPr/>
+          </a:p>
+        </p:txBody>
+      </p:sp>
     </p:spTree>
   </p:cSld>
   <p:timing>
@@ -3495,14 +3648,14 @@
       </p:grpSpPr>
       <p:sp>
         <p:nvSpPr>
-          <p:cNvPr id="82" name="TextShape 1"/>
-          <p:cNvSpPr txBox="1"/>
+          <p:cNvPr id="80" name="CustomShape 1"/>
+          <p:cNvSpPr/>
           <p:nvPr/>
         </p:nvSpPr>
         <p:spPr>
           <a:xfrm>
             <a:off x="457200" y="205920"/>
-            <a:ext cx="8229240" cy="857160"/>
+            <a:ext cx="8228880" cy="856800"/>
           </a:xfrm>
           <a:prstGeom prst="rect">
             <a:avLst/>
@@ -3512,8 +3665,14 @@
             <a:noFill/>
           </a:ln>
         </p:spPr>
-        <p:txBody>
-          <a:bodyPr tIns="91440" bIns="91440" anchor="b"/>
+        <p:style>
+          <a:lnRef idx="0"/>
+          <a:fillRef idx="0"/>
+          <a:effectRef idx="0"/>
+          <a:fontRef idx="minor"/>
+        </p:style>
+        <p:txBody>
+          <a:bodyPr lIns="90000" rIns="90000" tIns="91440" bIns="91440" anchor="b"/>
           <a:p>
             <a:pPr>
               <a:lnSpc>
@@ -3528,7 +3687,7 @@
                 <a:latin typeface="Trebuchet MS"/>
                 <a:ea typeface="Trebuchet MS"/>
               </a:rPr>
-              <a:t>The AI Valet</a:t>
+              <a:t>Demo</a:t>
             </a:r>
             <a:endParaRPr/>
           </a:p>
@@ -3536,7 +3695,7 @@
       </p:sp>
       <p:pic>
         <p:nvPicPr>
-          <p:cNvPr id="83" name="Shape 47" descr=""/>
+          <p:cNvPr id="81" name="Shape 72" descr=""/>
           <p:cNvPicPr/>
           <p:nvPr/>
         </p:nvPicPr>
@@ -3546,31 +3705,8 @@
         </p:blipFill>
         <p:spPr>
           <a:xfrm>
-            <a:off x="205560" y="1226160"/>
-            <a:ext cx="2174400" cy="3865680"/>
-          </a:xfrm>
-          <a:prstGeom prst="rect">
-            <a:avLst/>
-          </a:prstGeom>
-          <a:ln>
-            <a:noFill/>
-          </a:ln>
-        </p:spPr>
-      </p:pic>
-      <p:pic>
-        <p:nvPicPr>
-          <p:cNvPr id="84" name="Shape 48" descr=""/>
-          <p:cNvPicPr/>
-          <p:nvPr/>
-        </p:nvPicPr>
-        <p:blipFill>
-          <a:blip r:embed="rId2"/>
-          <a:stretch/>
-        </p:blipFill>
-        <p:spPr>
-          <a:xfrm>
-            <a:off x="2491200" y="1498680"/>
-            <a:ext cx="6547680" cy="3320640"/>
+            <a:off x="762120" y="1276200"/>
+            <a:ext cx="7323120" cy="3649680"/>
           </a:xfrm>
           <a:prstGeom prst="rect">
             <a:avLst/>
@@ -3631,14 +3767,14 @@
       </p:grpSpPr>
       <p:sp>
         <p:nvSpPr>
-          <p:cNvPr id="85" name="TextShape 1"/>
-          <p:cNvSpPr txBox="1"/>
+          <p:cNvPr id="82" name="CustomShape 1"/>
+          <p:cNvSpPr/>
           <p:nvPr/>
         </p:nvSpPr>
         <p:spPr>
           <a:xfrm>
             <a:off x="457200" y="205920"/>
-            <a:ext cx="8229240" cy="857160"/>
+            <a:ext cx="8228880" cy="856800"/>
           </a:xfrm>
           <a:prstGeom prst="rect">
             <a:avLst/>
@@ -3648,8 +3784,14 @@
             <a:noFill/>
           </a:ln>
         </p:spPr>
-        <p:txBody>
-          <a:bodyPr tIns="91440" bIns="91440" anchor="b"/>
+        <p:style>
+          <a:lnRef idx="0"/>
+          <a:fillRef idx="0"/>
+          <a:effectRef idx="0"/>
+          <a:fontRef idx="minor"/>
+        </p:style>
+        <p:txBody>
+          <a:bodyPr lIns="90000" rIns="90000" tIns="91440" bIns="91440" anchor="b"/>
           <a:p>
             <a:pPr>
               <a:lnSpc>
@@ -3664,55 +3806,58 @@
                 <a:latin typeface="Trebuchet MS"/>
                 <a:ea typeface="Trebuchet MS"/>
               </a:rPr>
-              <a:t>Objective</a:t>
+              <a:t>The AI Valet</a:t>
             </a:r>
             <a:endParaRPr/>
           </a:p>
         </p:txBody>
       </p:sp>
-      <p:sp>
-        <p:nvSpPr>
-          <p:cNvPr id="86" name="TextShape 2"/>
-          <p:cNvSpPr txBox="1"/>
+      <p:pic>
+        <p:nvPicPr>
+          <p:cNvPr id="83" name="Shape 47" descr=""/>
+          <p:cNvPicPr/>
           <p:nvPr/>
-        </p:nvSpPr>
-        <p:spPr>
-          <a:xfrm>
-            <a:off x="457200" y="1585080"/>
-            <a:ext cx="8229240" cy="3340440"/>
-          </a:xfrm>
-          <a:prstGeom prst="rect">
-            <a:avLst/>
-          </a:prstGeom>
-          <a:noFill/>
+        </p:nvPicPr>
+        <p:blipFill>
+          <a:blip r:embed="rId1"/>
+          <a:stretch/>
+        </p:blipFill>
+        <p:spPr>
+          <a:xfrm>
+            <a:off x="205560" y="1226160"/>
+            <a:ext cx="2174040" cy="3865320"/>
+          </a:xfrm>
+          <a:prstGeom prst="rect">
+            <a:avLst/>
+          </a:prstGeom>
           <a:ln>
             <a:noFill/>
           </a:ln>
         </p:spPr>
-        <p:txBody>
-          <a:bodyPr tIns="91440" bIns="91440"/>
-          <a:p>
-            <a:pPr>
-              <a:lnSpc>
-                <a:spcPct val="150000"/>
-              </a:lnSpc>
-              <a:buFont typeface="Arial"/>
-              <a:buChar char="●"/>
-            </a:pPr>
-            <a:r>
-              <a:rPr lang="en-US" sz="3000" strike="noStrike">
-                <a:solidFill>
-                  <a:srgbClr val="535353"/>
-                </a:solidFill>
-                <a:latin typeface="Trebuchet MS"/>
-                <a:ea typeface="Trebuchet MS"/>
-              </a:rPr>
-              <a:t>Create “yet another” an android mobile application as well as a web service that allows you to create personalized voice commands for your own tasks</a:t>
-            </a:r>
-            <a:endParaRPr/>
-          </a:p>
-        </p:txBody>
-      </p:sp>
+      </p:pic>
+      <p:pic>
+        <p:nvPicPr>
+          <p:cNvPr id="84" name="Shape 48" descr=""/>
+          <p:cNvPicPr/>
+          <p:nvPr/>
+        </p:nvPicPr>
+        <p:blipFill>
+          <a:blip r:embed="rId2"/>
+          <a:stretch/>
+        </p:blipFill>
+        <p:spPr>
+          <a:xfrm>
+            <a:off x="2491200" y="1498680"/>
+            <a:ext cx="6547320" cy="3320280"/>
+          </a:xfrm>
+          <a:prstGeom prst="rect">
+            <a:avLst/>
+          </a:prstGeom>
+          <a:ln>
+            <a:noFill/>
+          </a:ln>
+        </p:spPr>
+      </p:pic>
     </p:spTree>
   </p:cSld>
   <p:timing>
@@ -3764,14 +3909,14 @@
       </p:grpSpPr>
       <p:sp>
         <p:nvSpPr>
-          <p:cNvPr id="87" name="TextShape 1"/>
-          <p:cNvSpPr txBox="1"/>
+          <p:cNvPr id="85" name="CustomShape 1"/>
+          <p:cNvSpPr/>
           <p:nvPr/>
         </p:nvSpPr>
         <p:spPr>
           <a:xfrm>
             <a:off x="457200" y="205920"/>
-            <a:ext cx="8229240" cy="857160"/>
+            <a:ext cx="8228880" cy="856800"/>
           </a:xfrm>
           <a:prstGeom prst="rect">
             <a:avLst/>
@@ -3781,8 +3926,14 @@
             <a:noFill/>
           </a:ln>
         </p:spPr>
-        <p:txBody>
-          <a:bodyPr tIns="91440" bIns="91440" anchor="b"/>
+        <p:style>
+          <a:lnRef idx="0"/>
+          <a:fillRef idx="0"/>
+          <a:effectRef idx="0"/>
+          <a:fontRef idx="minor"/>
+        </p:style>
+        <p:txBody>
+          <a:bodyPr lIns="90000" rIns="90000" tIns="91440" bIns="91440" anchor="b"/>
           <a:p>
             <a:pPr>
               <a:lnSpc>
@@ -3805,14 +3956,14 @@
       </p:sp>
       <p:sp>
         <p:nvSpPr>
-          <p:cNvPr id="88" name="TextShape 2"/>
-          <p:cNvSpPr txBox="1"/>
+          <p:cNvPr id="86" name="CustomShape 2"/>
+          <p:cNvSpPr/>
           <p:nvPr/>
         </p:nvSpPr>
         <p:spPr>
           <a:xfrm>
             <a:off x="457200" y="1451520"/>
-            <a:ext cx="8229240" cy="3474000"/>
+            <a:ext cx="8228880" cy="3473640"/>
           </a:xfrm>
           <a:prstGeom prst="rect">
             <a:avLst/>
@@ -3822,8 +3973,14 @@
             <a:noFill/>
           </a:ln>
         </p:spPr>
-        <p:txBody>
-          <a:bodyPr tIns="91440" bIns="91440"/>
+        <p:style>
+          <a:lnRef idx="0"/>
+          <a:fillRef idx="0"/>
+          <a:effectRef idx="0"/>
+          <a:fontRef idx="minor"/>
+        </p:style>
+        <p:txBody>
+          <a:bodyPr lIns="90000" rIns="90000" tIns="91440" bIns="91440"/>
           <a:p>
             <a:pPr>
               <a:lnSpc>
@@ -3957,14 +4114,14 @@
       </p:grpSpPr>
       <p:sp>
         <p:nvSpPr>
-          <p:cNvPr id="89" name="TextShape 1"/>
-          <p:cNvSpPr txBox="1"/>
+          <p:cNvPr id="87" name="CustomShape 1"/>
+          <p:cNvSpPr/>
           <p:nvPr/>
         </p:nvSpPr>
         <p:spPr>
           <a:xfrm>
             <a:off x="457200" y="205920"/>
-            <a:ext cx="8229240" cy="857160"/>
+            <a:ext cx="8228880" cy="856800"/>
           </a:xfrm>
           <a:prstGeom prst="rect">
             <a:avLst/>
@@ -3974,8 +4131,14 @@
             <a:noFill/>
           </a:ln>
         </p:spPr>
-        <p:txBody>
-          <a:bodyPr tIns="91440" bIns="91440" anchor="b"/>
+        <p:style>
+          <a:lnRef idx="0"/>
+          <a:fillRef idx="0"/>
+          <a:effectRef idx="0"/>
+          <a:fontRef idx="minor"/>
+        </p:style>
+        <p:txBody>
+          <a:bodyPr lIns="90000" rIns="90000" tIns="91440" bIns="91440" anchor="b"/>
           <a:p>
             <a:pPr>
               <a:lnSpc>
@@ -3998,14 +4161,14 @@
       </p:sp>
       <p:sp>
         <p:nvSpPr>
-          <p:cNvPr id="90" name="TextShape 2"/>
-          <p:cNvSpPr txBox="1"/>
+          <p:cNvPr id="88" name="CustomShape 2"/>
+          <p:cNvSpPr/>
           <p:nvPr/>
         </p:nvSpPr>
         <p:spPr>
           <a:xfrm>
             <a:off x="365760" y="1371600"/>
-            <a:ext cx="8229240" cy="3099600"/>
+            <a:ext cx="8228880" cy="3099240"/>
           </a:xfrm>
           <a:prstGeom prst="rect">
             <a:avLst/>
@@ -4015,8 +4178,14 @@
             <a:noFill/>
           </a:ln>
         </p:spPr>
-        <p:txBody>
-          <a:bodyPr tIns="91440" bIns="91440"/>
+        <p:style>
+          <a:lnRef idx="0"/>
+          <a:fillRef idx="0"/>
+          <a:effectRef idx="0"/>
+          <a:fontRef idx="minor"/>
+        </p:style>
+        <p:txBody>
+          <a:bodyPr lIns="90000" rIns="90000" tIns="91440" bIns="91440"/>
           <a:p>
             <a:pPr>
               <a:lnSpc>
@@ -4110,14 +4279,14 @@
       </p:grpSpPr>
       <p:sp>
         <p:nvSpPr>
-          <p:cNvPr id="91" name="TextShape 1"/>
-          <p:cNvSpPr txBox="1"/>
+          <p:cNvPr id="89" name="CustomShape 1"/>
+          <p:cNvSpPr/>
           <p:nvPr/>
         </p:nvSpPr>
         <p:spPr>
           <a:xfrm>
             <a:off x="457200" y="205920"/>
-            <a:ext cx="8229240" cy="857160"/>
+            <a:ext cx="8228880" cy="856800"/>
           </a:xfrm>
           <a:prstGeom prst="rect">
             <a:avLst/>
@@ -4127,36 +4296,26 @@
             <a:noFill/>
           </a:ln>
         </p:spPr>
-        <p:txBody>
-          <a:bodyPr tIns="91440" bIns="91440" anchor="b"/>
+        <p:style>
+          <a:lnRef idx="0"/>
+          <a:fillRef idx="0"/>
+          <a:effectRef idx="0"/>
+          <a:fontRef idx="minor"/>
+        </p:style>
+        <p:txBody>
+          <a:bodyPr lIns="90000" rIns="90000" tIns="91440" bIns="91440" anchor="b"/>
+          <a:p>
+            <a:endParaRPr/>
+          </a:p>
+          <a:p>
+            <a:endParaRPr/>
+          </a:p>
           <a:p>
             <a:pPr>
               <a:lnSpc>
                 <a:spcPct val="100000"/>
               </a:lnSpc>
             </a:pPr>
-            <a:r>
-              <a:rPr b="1" lang="en-US" sz="3600" strike="noStrike">
-                <a:solidFill>
-                  <a:srgbClr val="e6d6bd"/>
-                </a:solidFill>
-                <a:latin typeface="Trebuchet MS"/>
-                <a:ea typeface="Trebuchet MS"/>
-              </a:rPr>
-              <a:t>
-</a:t>
-            </a:r>
-            <a:r>
-              <a:rPr b="1" lang="en-US" sz="3600" strike="noStrike">
-                <a:solidFill>
-                  <a:srgbClr val="e6d6bd"/>
-                </a:solidFill>
-                <a:latin typeface="Trebuchet MS"/>
-                <a:ea typeface="Trebuchet MS"/>
-              </a:rPr>
-              <a:t>
-</a:t>
-            </a:r>
             <a:r>
               <a:rPr b="1" lang="en-US" sz="3200" strike="noStrike">
                 <a:solidFill>
@@ -4173,14 +4332,14 @@
       </p:sp>
       <p:sp>
         <p:nvSpPr>
-          <p:cNvPr id="92" name="TextShape 2"/>
-          <p:cNvSpPr txBox="1"/>
+          <p:cNvPr id="90" name="CustomShape 2"/>
+          <p:cNvSpPr/>
           <p:nvPr/>
         </p:nvSpPr>
         <p:spPr>
           <a:xfrm>
             <a:off x="365760" y="1371600"/>
-            <a:ext cx="8229240" cy="3099600"/>
+            <a:ext cx="8228880" cy="3099240"/>
           </a:xfrm>
           <a:prstGeom prst="rect">
             <a:avLst/>
@@ -4190,8 +4349,14 @@
             <a:noFill/>
           </a:ln>
         </p:spPr>
-        <p:txBody>
-          <a:bodyPr tIns="91440" bIns="91440"/>
+        <p:style>
+          <a:lnRef idx="0"/>
+          <a:fillRef idx="0"/>
+          <a:effectRef idx="0"/>
+          <a:fontRef idx="minor"/>
+        </p:style>
+        <p:txBody>
+          <a:bodyPr lIns="90000" rIns="90000" tIns="91440" bIns="91440"/>
           <a:p>
             <a:pPr>
               <a:lnSpc>
@@ -4228,17 +4393,7 @@
                 <a:latin typeface="Trebuchet MS"/>
                 <a:ea typeface="Trebuchet MS"/>
               </a:rPr>
-              <a:t>Online at </a:t>
-            </a:r>
-            <a:r>
-              <a:rPr lang="en-US" sz="2800" strike="noStrike">
-                <a:solidFill>
-                  <a:srgbClr val="535353"/>
-                </a:solidFill>
-                <a:latin typeface="Trebuchet MS"/>
-                <a:ea typeface="Trebuchet MS"/>
-              </a:rPr>
-              <a:t>myaivalet@appspot.com</a:t>
+              <a:t>Online at myaivalet.appspot.com</a:t>
             </a:r>
             <a:endParaRPr/>
           </a:p>
@@ -4315,14 +4470,14 @@
       </p:grpSpPr>
       <p:sp>
         <p:nvSpPr>
-          <p:cNvPr id="93" name="TextShape 1"/>
-          <p:cNvSpPr txBox="1"/>
+          <p:cNvPr id="91" name="CustomShape 1"/>
+          <p:cNvSpPr/>
           <p:nvPr/>
         </p:nvSpPr>
         <p:spPr>
           <a:xfrm>
             <a:off x="457200" y="205920"/>
-            <a:ext cx="8229240" cy="857160"/>
+            <a:ext cx="8228880" cy="856800"/>
           </a:xfrm>
           <a:prstGeom prst="rect">
             <a:avLst/>
@@ -4332,36 +4487,26 @@
             <a:noFill/>
           </a:ln>
         </p:spPr>
-        <p:txBody>
-          <a:bodyPr tIns="91440" bIns="91440" anchor="b"/>
+        <p:style>
+          <a:lnRef idx="0"/>
+          <a:fillRef idx="0"/>
+          <a:effectRef idx="0"/>
+          <a:fontRef idx="minor"/>
+        </p:style>
+        <p:txBody>
+          <a:bodyPr lIns="90000" rIns="90000" tIns="91440" bIns="91440" anchor="b"/>
+          <a:p>
+            <a:endParaRPr/>
+          </a:p>
+          <a:p>
+            <a:endParaRPr/>
+          </a:p>
           <a:p>
             <a:pPr>
               <a:lnSpc>
                 <a:spcPct val="100000"/>
               </a:lnSpc>
             </a:pPr>
-            <a:r>
-              <a:rPr b="1" lang="en-US" sz="3600" strike="noStrike">
-                <a:solidFill>
-                  <a:srgbClr val="e6d6bd"/>
-                </a:solidFill>
-                <a:latin typeface="Trebuchet MS"/>
-                <a:ea typeface="Trebuchet MS"/>
-              </a:rPr>
-              <a:t>
-</a:t>
-            </a:r>
-            <a:r>
-              <a:rPr b="1" lang="en-US" sz="3600" strike="noStrike">
-                <a:solidFill>
-                  <a:srgbClr val="e6d6bd"/>
-                </a:solidFill>
-                <a:latin typeface="Trebuchet MS"/>
-                <a:ea typeface="Trebuchet MS"/>
-              </a:rPr>
-              <a:t>
-</a:t>
-            </a:r>
             <a:r>
               <a:rPr b="1" lang="en-US" sz="3200" strike="noStrike">
                 <a:solidFill>
@@ -4378,14 +4523,14 @@
       </p:sp>
       <p:sp>
         <p:nvSpPr>
-          <p:cNvPr id="94" name="TextShape 2"/>
-          <p:cNvSpPr txBox="1"/>
+          <p:cNvPr id="92" name="CustomShape 2"/>
+          <p:cNvSpPr/>
           <p:nvPr/>
         </p:nvSpPr>
         <p:spPr>
           <a:xfrm>
             <a:off x="365760" y="1371600"/>
-            <a:ext cx="8229240" cy="3099600"/>
+            <a:ext cx="8228880" cy="3099240"/>
           </a:xfrm>
           <a:prstGeom prst="rect">
             <a:avLst/>
@@ -4395,8 +4540,14 @@
             <a:noFill/>
           </a:ln>
         </p:spPr>
-        <p:txBody>
-          <a:bodyPr tIns="91440" bIns="91440"/>
+        <p:style>
+          <a:lnRef idx="0"/>
+          <a:fillRef idx="0"/>
+          <a:effectRef idx="0"/>
+          <a:fontRef idx="minor"/>
+        </p:style>
+        <p:txBody>
+          <a:bodyPr lIns="90000" rIns="90000" tIns="91440" bIns="91440"/>
           <a:p>
             <a:pPr>
               <a:lnSpc>
@@ -4442,8 +4593,6 @@
               <a:lnSpc>
                 <a:spcPct val="200000"/>
               </a:lnSpc>
-              <a:buFont typeface="Arial"/>
-              <a:buChar char="●"/>
             </a:pPr>
             <a:endParaRPr/>
           </a:p>
@@ -4500,14 +4649,14 @@
       </p:grpSpPr>
       <p:sp>
         <p:nvSpPr>
-          <p:cNvPr id="95" name="TextShape 1"/>
-          <p:cNvSpPr txBox="1"/>
+          <p:cNvPr id="93" name="CustomShape 1"/>
+          <p:cNvSpPr/>
           <p:nvPr/>
         </p:nvSpPr>
         <p:spPr>
           <a:xfrm>
             <a:off x="457200" y="205920"/>
-            <a:ext cx="8229240" cy="857160"/>
+            <a:ext cx="8228880" cy="856800"/>
           </a:xfrm>
           <a:prstGeom prst="rect">
             <a:avLst/>
@@ -4517,36 +4666,26 @@
             <a:noFill/>
           </a:ln>
         </p:spPr>
-        <p:txBody>
-          <a:bodyPr tIns="91440" bIns="91440" anchor="b"/>
+        <p:style>
+          <a:lnRef idx="0"/>
+          <a:fillRef idx="0"/>
+          <a:effectRef idx="0"/>
+          <a:fontRef idx="minor"/>
+        </p:style>
+        <p:txBody>
+          <a:bodyPr lIns="90000" rIns="90000" tIns="91440" bIns="91440" anchor="b"/>
+          <a:p>
+            <a:endParaRPr/>
+          </a:p>
+          <a:p>
+            <a:endParaRPr/>
+          </a:p>
           <a:p>
             <a:pPr>
               <a:lnSpc>
                 <a:spcPct val="100000"/>
               </a:lnSpc>
             </a:pPr>
-            <a:r>
-              <a:rPr b="1" lang="en-US" sz="3600" strike="noStrike">
-                <a:solidFill>
-                  <a:srgbClr val="e6d6bd"/>
-                </a:solidFill>
-                <a:latin typeface="Trebuchet MS"/>
-                <a:ea typeface="Trebuchet MS"/>
-              </a:rPr>
-              <a:t>
-</a:t>
-            </a:r>
-            <a:r>
-              <a:rPr b="1" lang="en-US" sz="3600" strike="noStrike">
-                <a:solidFill>
-                  <a:srgbClr val="e6d6bd"/>
-                </a:solidFill>
-                <a:latin typeface="Trebuchet MS"/>
-                <a:ea typeface="Trebuchet MS"/>
-              </a:rPr>
-              <a:t>
-</a:t>
-            </a:r>
             <a:r>
               <a:rPr b="1" lang="en-US" sz="3200" strike="noStrike">
                 <a:solidFill>
@@ -4563,14 +4702,14 @@
       </p:sp>
       <p:sp>
         <p:nvSpPr>
-          <p:cNvPr id="96" name="TextShape 2"/>
-          <p:cNvSpPr txBox="1"/>
+          <p:cNvPr id="94" name="CustomShape 2"/>
+          <p:cNvSpPr/>
           <p:nvPr/>
         </p:nvSpPr>
         <p:spPr>
           <a:xfrm>
             <a:off x="274320" y="1097280"/>
-            <a:ext cx="8229240" cy="3099600"/>
+            <a:ext cx="8228880" cy="3099240"/>
           </a:xfrm>
           <a:prstGeom prst="rect">
             <a:avLst/>
@@ -4580,8 +4719,14 @@
             <a:noFill/>
           </a:ln>
         </p:spPr>
-        <p:txBody>
-          <a:bodyPr tIns="91440" bIns="91440"/>
+        <p:style>
+          <a:lnRef idx="0"/>
+          <a:fillRef idx="0"/>
+          <a:effectRef idx="0"/>
+          <a:fontRef idx="minor"/>
+        </p:style>
+        <p:txBody>
+          <a:bodyPr lIns="90000" rIns="90000" tIns="91440" bIns="91440"/>
           <a:p>
             <a:pPr>
               <a:lnSpc>
@@ -4591,7 +4736,7 @@
               <a:buChar char="●"/>
             </a:pPr>
             <a:r>
-              <a:rPr lang="en-US" sz="2800" strike="noStrike">
+              <a:rPr lang="en-US" sz="2200" strike="noStrike">
                 <a:solidFill>
                   <a:srgbClr val="535353"/>
                 </a:solidFill>
@@ -4611,7 +4756,7 @@
               <a:buChar char="●"/>
             </a:pPr>
             <a:r>
-              <a:rPr lang="en-US" sz="2800" strike="noStrike">
+              <a:rPr lang="en-US" sz="2200" strike="noStrike">
                 <a:solidFill>
                   <a:srgbClr val="535353"/>
                 </a:solidFill>
@@ -4631,7 +4776,7 @@
               <a:buChar char="●"/>
             </a:pPr>
             <a:r>
-              <a:rPr lang="en-US" sz="2800" strike="noStrike">
+              <a:rPr lang="en-US" sz="2200" strike="noStrike">
                 <a:solidFill>
                   <a:srgbClr val="535353"/>
                 </a:solidFill>
@@ -4639,6 +4784,46 @@
                 <a:ea typeface="Trebuchet MS"/>
               </a:rPr>
               <a:t>Automatic Similar searches</a:t>
+            </a:r>
+            <a:endParaRPr/>
+          </a:p>
+          <a:p>
+            <a:pPr>
+              <a:lnSpc>
+                <a:spcPct val="200000"/>
+              </a:lnSpc>
+              <a:buFont typeface="Arial"/>
+              <a:buChar char="●"/>
+            </a:pPr>
+            <a:r>
+              <a:rPr lang="en-US" sz="2200" strike="noStrike">
+                <a:solidFill>
+                  <a:srgbClr val="535353"/>
+                </a:solidFill>
+                <a:latin typeface="Trebuchet MS"/>
+                <a:ea typeface="Trebuchet MS"/>
+              </a:rPr>
+              <a:t>Login.</a:t>
+            </a:r>
+            <a:endParaRPr/>
+          </a:p>
+          <a:p>
+            <a:pPr>
+              <a:lnSpc>
+                <a:spcPct val="200000"/>
+              </a:lnSpc>
+              <a:buFont typeface="Arial"/>
+              <a:buChar char="●"/>
+            </a:pPr>
+            <a:r>
+              <a:rPr lang="en-US" sz="2200" strike="noStrike">
+                <a:solidFill>
+                  <a:srgbClr val="535353"/>
+                </a:solidFill>
+                <a:latin typeface="Trebuchet MS"/>
+                <a:ea typeface="Trebuchet MS"/>
+              </a:rPr>
+              <a:t>Other speech to text suggestions in-case of incorrect detection</a:t>
             </a:r>
             <a:endParaRPr/>
           </a:p>
